--- a/trunk/modelisator/Gestion de projet/2015_06_18 [Modelisator] Step 6/2015_06_18  [Modelisator] Presentation_Final.pptx
+++ b/trunk/modelisator/Gestion de projet/2015_06_18 [Modelisator] Step 6/2015_06_18  [Modelisator] Presentation_Final.pptx
@@ -5,7 +5,7 @@
     <p:sldMasterId id="2147483660" r:id="rId1"/>
   </p:sldMasterIdLst>
   <p:notesMasterIdLst>
-    <p:notesMasterId r:id="rId32"/>
+    <p:notesMasterId r:id="rId34"/>
   </p:notesMasterIdLst>
   <p:sldIdLst>
     <p:sldId id="256" r:id="rId2"/>
@@ -23,21 +23,23 @@
     <p:sldId id="275" r:id="rId14"/>
     <p:sldId id="276" r:id="rId15"/>
     <p:sldId id="277" r:id="rId16"/>
-    <p:sldId id="278" r:id="rId17"/>
-    <p:sldId id="279" r:id="rId18"/>
-    <p:sldId id="281" r:id="rId19"/>
-    <p:sldId id="284" r:id="rId20"/>
-    <p:sldId id="282" r:id="rId21"/>
-    <p:sldId id="283" r:id="rId22"/>
-    <p:sldId id="285" r:id="rId23"/>
-    <p:sldId id="266" r:id="rId24"/>
-    <p:sldId id="267" r:id="rId25"/>
-    <p:sldId id="268" r:id="rId26"/>
-    <p:sldId id="269" r:id="rId27"/>
-    <p:sldId id="263" r:id="rId28"/>
-    <p:sldId id="264" r:id="rId29"/>
-    <p:sldId id="265" r:id="rId30"/>
-    <p:sldId id="280" r:id="rId31"/>
+    <p:sldId id="288" r:id="rId17"/>
+    <p:sldId id="278" r:id="rId18"/>
+    <p:sldId id="279" r:id="rId19"/>
+    <p:sldId id="281" r:id="rId20"/>
+    <p:sldId id="284" r:id="rId21"/>
+    <p:sldId id="282" r:id="rId22"/>
+    <p:sldId id="283" r:id="rId23"/>
+    <p:sldId id="285" r:id="rId24"/>
+    <p:sldId id="266" r:id="rId25"/>
+    <p:sldId id="267" r:id="rId26"/>
+    <p:sldId id="268" r:id="rId27"/>
+    <p:sldId id="289" r:id="rId28"/>
+    <p:sldId id="269" r:id="rId29"/>
+    <p:sldId id="263" r:id="rId30"/>
+    <p:sldId id="264" r:id="rId31"/>
+    <p:sldId id="265" r:id="rId32"/>
+    <p:sldId id="280" r:id="rId33"/>
   </p:sldIdLst>
   <p:sldSz cx="9144000" cy="6858000" type="screen4x3"/>
   <p:notesSz cx="6858000" cy="9144000"/>
@@ -1350,7 +1352,7 @@
           <a:p>
             <a:fld id="{BE12C92E-3900-4461-B5FA-310C7A928654}" type="slidenum">
               <a:rPr lang="fr-FR" smtClean="0"/>
-              <a:t>16</a:t>
+              <a:t>17</a:t>
             </a:fld>
             <a:endParaRPr lang="fr-FR"/>
           </a:p>
@@ -1434,7 +1436,7 @@
           <a:p>
             <a:fld id="{BE12C92E-3900-4461-B5FA-310C7A928654}" type="slidenum">
               <a:rPr lang="fr-FR" smtClean="0"/>
-              <a:t>19</a:t>
+              <a:t>20</a:t>
             </a:fld>
             <a:endParaRPr lang="fr-FR"/>
           </a:p>
@@ -1540,7 +1542,7 @@
           <a:p>
             <a:fld id="{8011DD82-4401-44DA-901A-04AB1EF004B2}" type="slidenum">
               <a:rPr lang="fr-FR" smtClean="0"/>
-              <a:t>23</a:t>
+              <a:t>24</a:t>
             </a:fld>
             <a:endParaRPr lang="fr-FR"/>
           </a:p>
@@ -1648,7 +1650,7 @@
           <a:p>
             <a:fld id="{8011DD82-4401-44DA-901A-04AB1EF004B2}" type="slidenum">
               <a:rPr lang="fr-FR" smtClean="0"/>
-              <a:t>24</a:t>
+              <a:t>25</a:t>
             </a:fld>
             <a:endParaRPr lang="fr-FR"/>
           </a:p>
@@ -1740,7 +1742,99 @@
           <a:p>
             <a:fld id="{8011DD82-4401-44DA-901A-04AB1EF004B2}" type="slidenum">
               <a:rPr lang="fr-FR" smtClean="0"/>
-              <a:t>25</a:t>
+              <a:t>26</a:t>
+            </a:fld>
+            <a:endParaRPr lang="fr-FR"/>
+          </a:p>
+        </p:txBody>
+      </p:sp>
+    </p:spTree>
+    <p:extLst>
+      <p:ext uri="{BB962C8B-B14F-4D97-AF65-F5344CB8AC3E}">
+        <p14:creationId xmlns:p14="http://schemas.microsoft.com/office/powerpoint/2010/main" val="2989751773"/>
+      </p:ext>
+    </p:extLst>
+  </p:cSld>
+  <p:clrMapOvr>
+    <a:masterClrMapping/>
+  </p:clrMapOvr>
+</p:notes>
+</file>
+
+<file path=ppt/notesSlides/notesSlide9.xml><?xml version="1.0" encoding="utf-8"?>
+<p:notes xmlns:a="http://schemas.openxmlformats.org/drawingml/2006/main" xmlns:r="http://schemas.openxmlformats.org/officeDocument/2006/relationships" xmlns:p="http://schemas.openxmlformats.org/presentationml/2006/main">
+  <p:cSld>
+    <p:spTree>
+      <p:nvGrpSpPr>
+        <p:cNvPr id="1" name=""/>
+        <p:cNvGrpSpPr/>
+        <p:nvPr/>
+      </p:nvGrpSpPr>
+      <p:grpSpPr>
+        <a:xfrm>
+          <a:off x="0" y="0"/>
+          <a:ext cx="0" cy="0"/>
+          <a:chOff x="0" y="0"/>
+          <a:chExt cx="0" cy="0"/>
+        </a:xfrm>
+      </p:grpSpPr>
+      <p:sp>
+        <p:nvSpPr>
+          <p:cNvPr id="2" name="Espace réservé de l'image des diapositives 1"/>
+          <p:cNvSpPr>
+            <a:spLocks noGrp="1" noRot="1" noChangeAspect="1"/>
+          </p:cNvSpPr>
+          <p:nvPr>
+            <p:ph type="sldImg"/>
+          </p:nvPr>
+        </p:nvSpPr>
+        <p:spPr/>
+      </p:sp>
+      <p:sp>
+        <p:nvSpPr>
+          <p:cNvPr id="3" name="Espace réservé des commentaires 2"/>
+          <p:cNvSpPr>
+            <a:spLocks noGrp="1"/>
+          </p:cNvSpPr>
+          <p:nvPr>
+            <p:ph type="body" idx="1"/>
+          </p:nvPr>
+        </p:nvSpPr>
+        <p:spPr/>
+        <p:txBody>
+          <a:bodyPr/>
+          <a:lstStyle/>
+          <a:p>
+            <a:r>
+              <a:rPr lang="fr-FR" dirty="0" smtClean="0"/>
+              <a:t>Chaque fin</a:t>
+            </a:r>
+            <a:r>
+              <a:rPr lang="fr-FR" baseline="0" dirty="0" smtClean="0"/>
+              <a:t> de journée de travail, réunion « compte rendu » et définition des tâches à faire pour la prochaine fois</a:t>
+            </a:r>
+            <a:endParaRPr lang="fr-FR" dirty="0"/>
+          </a:p>
+        </p:txBody>
+      </p:sp>
+      <p:sp>
+        <p:nvSpPr>
+          <p:cNvPr id="4" name="Espace réservé du numéro de diapositive 3"/>
+          <p:cNvSpPr>
+            <a:spLocks noGrp="1"/>
+          </p:cNvSpPr>
+          <p:nvPr>
+            <p:ph type="sldNum" sz="quarter" idx="10"/>
+          </p:nvPr>
+        </p:nvSpPr>
+        <p:spPr/>
+        <p:txBody>
+          <a:bodyPr/>
+          <a:lstStyle/>
+          <a:p>
+            <a:fld id="{8011DD82-4401-44DA-901A-04AB1EF004B2}" type="slidenum">
+              <a:rPr lang="fr-FR" smtClean="0"/>
+              <a:t>27</a:t>
             </a:fld>
             <a:endParaRPr lang="fr-FR"/>
           </a:p>
@@ -6802,6 +6896,142 @@
           </a:p>
         </p:txBody>
       </p:sp>
+      <p:sp>
+        <p:nvSpPr>
+          <p:cNvPr id="10" name="Espace réservé du pied de page 4"/>
+          <p:cNvSpPr txBox="1">
+            <a:spLocks/>
+          </p:cNvSpPr>
+          <p:nvPr/>
+        </p:nvSpPr>
+        <p:spPr>
+          <a:xfrm rot="19093257">
+            <a:off x="1668530" y="3088431"/>
+            <a:ext cx="5451811" cy="366506"/>
+          </a:xfrm>
+          <a:prstGeom prst="rect">
+            <a:avLst/>
+          </a:prstGeom>
+        </p:spPr>
+        <p:txBody>
+          <a:bodyPr vert="horz" lIns="91440" tIns="45720" rIns="91440" bIns="45720" rtlCol="0" anchor="ctr"/>
+          <a:lstStyle>
+            <a:defPPr>
+              <a:defRPr lang="fr-FR"/>
+            </a:defPPr>
+            <a:lvl1pPr marL="0" algn="r" defTabSz="914400" rtl="0" eaLnBrk="1" latinLnBrk="0" hangingPunct="1">
+              <a:defRPr sz="1000" kern="1200" cap="all" spc="200" baseline="0">
+                <a:solidFill>
+                  <a:srgbClr val="FFFFFF"/>
+                </a:solidFill>
+                <a:latin typeface="+mn-lt"/>
+                <a:ea typeface="+mn-ea"/>
+                <a:cs typeface="+mn-cs"/>
+              </a:defRPr>
+            </a:lvl1pPr>
+            <a:lvl2pPr marL="457200" algn="l" defTabSz="914400" rtl="0" eaLnBrk="1" latinLnBrk="0" hangingPunct="1">
+              <a:defRPr sz="1800" kern="1200">
+                <a:solidFill>
+                  <a:schemeClr val="tx1"/>
+                </a:solidFill>
+                <a:latin typeface="+mn-lt"/>
+                <a:ea typeface="+mn-ea"/>
+                <a:cs typeface="+mn-cs"/>
+              </a:defRPr>
+            </a:lvl2pPr>
+            <a:lvl3pPr marL="914400" algn="l" defTabSz="914400" rtl="0" eaLnBrk="1" latinLnBrk="0" hangingPunct="1">
+              <a:defRPr sz="1800" kern="1200">
+                <a:solidFill>
+                  <a:schemeClr val="tx1"/>
+                </a:solidFill>
+                <a:latin typeface="+mn-lt"/>
+                <a:ea typeface="+mn-ea"/>
+                <a:cs typeface="+mn-cs"/>
+              </a:defRPr>
+            </a:lvl3pPr>
+            <a:lvl4pPr marL="1371600" algn="l" defTabSz="914400" rtl="0" eaLnBrk="1" latinLnBrk="0" hangingPunct="1">
+              <a:defRPr sz="1800" kern="1200">
+                <a:solidFill>
+                  <a:schemeClr val="tx1"/>
+                </a:solidFill>
+                <a:latin typeface="+mn-lt"/>
+                <a:ea typeface="+mn-ea"/>
+                <a:cs typeface="+mn-cs"/>
+              </a:defRPr>
+            </a:lvl4pPr>
+            <a:lvl5pPr marL="1828800" algn="l" defTabSz="914400" rtl="0" eaLnBrk="1" latinLnBrk="0" hangingPunct="1">
+              <a:defRPr sz="1800" kern="1200">
+                <a:solidFill>
+                  <a:schemeClr val="tx1"/>
+                </a:solidFill>
+                <a:latin typeface="+mn-lt"/>
+                <a:ea typeface="+mn-ea"/>
+                <a:cs typeface="+mn-cs"/>
+              </a:defRPr>
+            </a:lvl5pPr>
+            <a:lvl6pPr marL="2286000" algn="l" defTabSz="914400" rtl="0" eaLnBrk="1" latinLnBrk="0" hangingPunct="1">
+              <a:defRPr sz="1800" kern="1200">
+                <a:solidFill>
+                  <a:schemeClr val="tx1"/>
+                </a:solidFill>
+                <a:latin typeface="+mn-lt"/>
+                <a:ea typeface="+mn-ea"/>
+                <a:cs typeface="+mn-cs"/>
+              </a:defRPr>
+            </a:lvl6pPr>
+            <a:lvl7pPr marL="2743200" algn="l" defTabSz="914400" rtl="0" eaLnBrk="1" latinLnBrk="0" hangingPunct="1">
+              <a:defRPr sz="1800" kern="1200">
+                <a:solidFill>
+                  <a:schemeClr val="tx1"/>
+                </a:solidFill>
+                <a:latin typeface="+mn-lt"/>
+                <a:ea typeface="+mn-ea"/>
+                <a:cs typeface="+mn-cs"/>
+              </a:defRPr>
+            </a:lvl7pPr>
+            <a:lvl8pPr marL="3200400" algn="l" defTabSz="914400" rtl="0" eaLnBrk="1" latinLnBrk="0" hangingPunct="1">
+              <a:defRPr sz="1800" kern="1200">
+                <a:solidFill>
+                  <a:schemeClr val="tx1"/>
+                </a:solidFill>
+                <a:latin typeface="+mn-lt"/>
+                <a:ea typeface="+mn-ea"/>
+                <a:cs typeface="+mn-cs"/>
+              </a:defRPr>
+            </a:lvl8pPr>
+            <a:lvl9pPr marL="3657600" algn="l" defTabSz="914400" rtl="0" eaLnBrk="1" latinLnBrk="0" hangingPunct="1">
+              <a:defRPr sz="1800" kern="1200">
+                <a:solidFill>
+                  <a:schemeClr val="tx1"/>
+                </a:solidFill>
+                <a:latin typeface="+mn-lt"/>
+                <a:ea typeface="+mn-ea"/>
+                <a:cs typeface="+mn-cs"/>
+              </a:defRPr>
+            </a:lvl9pPr>
+          </a:lstStyle>
+          <a:p>
+            <a:pPr algn="l"/>
+            <a:r>
+              <a:rPr lang="fr-FR" sz="1600" b="1" dirty="0" smtClean="0"/>
+              <a:t>SI73 – M. </a:t>
+            </a:r>
+            <a:r>
+              <a:rPr lang="fr-FR" sz="1600" b="1" dirty="0" err="1" smtClean="0"/>
+              <a:t>Said</a:t>
+            </a:r>
+            <a:r>
+              <a:rPr lang="fr-FR" sz="1600" b="1" dirty="0" smtClean="0"/>
+              <a:t> </a:t>
+            </a:r>
+            <a:r>
+              <a:rPr lang="fr-FR" sz="1600" b="1" dirty="0" err="1" smtClean="0"/>
+              <a:t>boujedli</a:t>
+            </a:r>
+            <a:endParaRPr lang="fr-FR" sz="1600" b="1" dirty="0"/>
+          </a:p>
+        </p:txBody>
+      </p:sp>
     </p:spTree>
     <p:extLst>
       <p:ext uri="{BB962C8B-B14F-4D97-AF65-F5344CB8AC3E}">
@@ -8708,6 +8938,181 @@
           <a:p>
             <a:r>
               <a:rPr lang="fr-FR" dirty="0" smtClean="0"/>
+              <a:t>V. Gestion de projet</a:t>
+            </a:r>
+            <a:endParaRPr lang="fr-FR" dirty="0"/>
+          </a:p>
+        </p:txBody>
+      </p:sp>
+      <p:sp>
+        <p:nvSpPr>
+          <p:cNvPr id="3" name="Espace réservé du contenu 2"/>
+          <p:cNvSpPr>
+            <a:spLocks noGrp="1"/>
+          </p:cNvSpPr>
+          <p:nvPr>
+            <p:ph idx="1"/>
+          </p:nvPr>
+        </p:nvSpPr>
+        <p:spPr/>
+        <p:txBody>
+          <a:bodyPr/>
+          <a:lstStyle/>
+          <a:p>
+            <a:r>
+              <a:rPr lang="fr-FR" sz="2000" b="0" dirty="0" smtClean="0"/>
+              <a:t>Répartition des taches</a:t>
+            </a:r>
+          </a:p>
+          <a:p>
+            <a:pPr marL="573786" lvl="3" indent="-285750">
+              <a:buFont typeface="Arial" pitchFamily="34" charset="0"/>
+              <a:buChar char="•"/>
+            </a:pPr>
+            <a:r>
+              <a:rPr lang="fr-FR" sz="2400" dirty="0" smtClean="0"/>
+              <a:t>Par module</a:t>
+            </a:r>
+          </a:p>
+          <a:p>
+            <a:pPr marL="573786" lvl="3" indent="-285750">
+              <a:buFont typeface="Arial" pitchFamily="34" charset="0"/>
+              <a:buChar char="•"/>
+            </a:pPr>
+            <a:r>
+              <a:rPr lang="fr-FR" sz="2400" dirty="0" smtClean="0"/>
+              <a:t>Par compétences ou non compétences</a:t>
+            </a:r>
+          </a:p>
+          <a:p>
+            <a:pPr marL="573786" lvl="3" indent="-285750">
+              <a:buFont typeface="Arial" pitchFamily="34" charset="0"/>
+              <a:buChar char="•"/>
+            </a:pPr>
+            <a:r>
+              <a:rPr lang="fr-FR" sz="2400" dirty="0" smtClean="0"/>
+              <a:t>Enchainement de taches</a:t>
+            </a:r>
+            <a:endParaRPr lang="fr-FR" sz="2400" dirty="0"/>
+          </a:p>
+        </p:txBody>
+      </p:sp>
+      <p:sp>
+        <p:nvSpPr>
+          <p:cNvPr id="4" name="Espace réservé de la date 3"/>
+          <p:cNvSpPr>
+            <a:spLocks noGrp="1"/>
+          </p:cNvSpPr>
+          <p:nvPr>
+            <p:ph type="dt" sz="half" idx="10"/>
+          </p:nvPr>
+        </p:nvSpPr>
+        <p:spPr/>
+        <p:txBody>
+          <a:bodyPr/>
+          <a:lstStyle/>
+          <a:p>
+            <a:fld id="{6B96E1E1-4559-49B9-BB75-F99EC1FF316E}" type="datetime1">
+              <a:rPr lang="fr-FR" smtClean="0"/>
+              <a:t>18/06/2015</a:t>
+            </a:fld>
+            <a:endParaRPr lang="fr-BE"/>
+          </a:p>
+        </p:txBody>
+      </p:sp>
+      <p:sp>
+        <p:nvSpPr>
+          <p:cNvPr id="5" name="Espace réservé du pied de page 4"/>
+          <p:cNvSpPr>
+            <a:spLocks noGrp="1"/>
+          </p:cNvSpPr>
+          <p:nvPr>
+            <p:ph type="ftr" sz="quarter" idx="11"/>
+          </p:nvPr>
+        </p:nvSpPr>
+        <p:spPr/>
+        <p:txBody>
+          <a:bodyPr/>
+          <a:lstStyle/>
+          <a:p>
+            <a:r>
+              <a:rPr lang="fr-FR" smtClean="0"/>
+              <a:t>Apprenti Ingénieur informatique - UTBM -CFAI</a:t>
+            </a:r>
+            <a:endParaRPr lang="fr-BE"/>
+          </a:p>
+        </p:txBody>
+      </p:sp>
+      <p:sp>
+        <p:nvSpPr>
+          <p:cNvPr id="6" name="Espace réservé du numéro de diapositive 5"/>
+          <p:cNvSpPr>
+            <a:spLocks noGrp="1"/>
+          </p:cNvSpPr>
+          <p:nvPr>
+            <p:ph type="sldNum" sz="quarter" idx="12"/>
+          </p:nvPr>
+        </p:nvSpPr>
+        <p:spPr/>
+        <p:txBody>
+          <a:bodyPr/>
+          <a:lstStyle/>
+          <a:p>
+            <a:fld id="{CF4668DC-857F-487D-BFFA-8C0CA5037977}" type="slidenum">
+              <a:rPr lang="fr-BE" smtClean="0"/>
+              <a:t>16</a:t>
+            </a:fld>
+            <a:endParaRPr lang="fr-BE"/>
+          </a:p>
+        </p:txBody>
+      </p:sp>
+    </p:spTree>
+    <p:extLst>
+      <p:ext uri="{BB962C8B-B14F-4D97-AF65-F5344CB8AC3E}">
+        <p14:creationId xmlns:p14="http://schemas.microsoft.com/office/powerpoint/2010/main" val="2206730335"/>
+      </p:ext>
+    </p:extLst>
+  </p:cSld>
+  <p:clrMapOvr>
+    <a:masterClrMapping/>
+  </p:clrMapOvr>
+</p:sld>
+</file>
+
+<file path=ppt/slides/slide17.xml><?xml version="1.0" encoding="utf-8"?>
+<p:sld xmlns:a="http://schemas.openxmlformats.org/drawingml/2006/main" xmlns:r="http://schemas.openxmlformats.org/officeDocument/2006/relationships" xmlns:p="http://schemas.openxmlformats.org/presentationml/2006/main">
+  <p:cSld>
+    <p:spTree>
+      <p:nvGrpSpPr>
+        <p:cNvPr id="1" name=""/>
+        <p:cNvGrpSpPr/>
+        <p:nvPr/>
+      </p:nvGrpSpPr>
+      <p:grpSpPr>
+        <a:xfrm>
+          <a:off x="0" y="0"/>
+          <a:ext cx="0" cy="0"/>
+          <a:chOff x="0" y="0"/>
+          <a:chExt cx="0" cy="0"/>
+        </a:xfrm>
+      </p:grpSpPr>
+      <p:sp>
+        <p:nvSpPr>
+          <p:cNvPr id="2" name="Titre 1"/>
+          <p:cNvSpPr>
+            <a:spLocks noGrp="1"/>
+          </p:cNvSpPr>
+          <p:nvPr>
+            <p:ph type="title"/>
+          </p:nvPr>
+        </p:nvSpPr>
+        <p:spPr/>
+        <p:txBody>
+          <a:bodyPr/>
+          <a:lstStyle/>
+          <a:p>
+            <a:r>
+              <a:rPr lang="fr-FR" dirty="0" smtClean="0"/>
               <a:t>V – gestion de projet</a:t>
             </a:r>
             <a:endParaRPr lang="fr-FR" dirty="0"/>
@@ -9059,7 +9464,7 @@
                   </a:outerShdw>
                 </a:effectLst>
               </a:rPr>
-              <a:t>16</a:t>
+              <a:t>17</a:t>
             </a:fld>
             <a:endParaRPr lang="fr-BE" dirty="0">
               <a:solidFill>
@@ -9098,7 +9503,7 @@
 </p:sld>
 </file>
 
-<file path=ppt/slides/slide17.xml><?xml version="1.0" encoding="utf-8"?>
+<file path=ppt/slides/slide18.xml><?xml version="1.0" encoding="utf-8"?>
 <p:sld xmlns:a="http://schemas.openxmlformats.org/drawingml/2006/main" xmlns:r="http://schemas.openxmlformats.org/officeDocument/2006/relationships" xmlns:p="http://schemas.openxmlformats.org/presentationml/2006/main">
   <p:cSld>
     <p:spTree>
@@ -9250,7 +9655,7 @@
           <a:p>
             <a:fld id="{CF4668DC-857F-487D-BFFA-8C0CA5037977}" type="slidenum">
               <a:rPr lang="fr-BE" smtClean="0"/>
-              <a:t>17</a:t>
+              <a:t>18</a:t>
             </a:fld>
             <a:endParaRPr lang="fr-BE"/>
           </a:p>
@@ -9276,7 +9681,7 @@
 </p:sld>
 </file>
 
-<file path=ppt/slides/slide18.xml><?xml version="1.0" encoding="utf-8"?>
+<file path=ppt/slides/slide19.xml><?xml version="1.0" encoding="utf-8"?>
 <p:sld xmlns:a="http://schemas.openxmlformats.org/drawingml/2006/main" xmlns:r="http://schemas.openxmlformats.org/officeDocument/2006/relationships" xmlns:p="http://schemas.openxmlformats.org/presentationml/2006/main">
   <p:cSld>
     <p:spTree>
@@ -9428,7 +9833,7 @@
           <a:p>
             <a:fld id="{CF4668DC-857F-487D-BFFA-8C0CA5037977}" type="slidenum">
               <a:rPr lang="fr-BE" smtClean="0"/>
-              <a:t>18</a:t>
+              <a:t>19</a:t>
             </a:fld>
             <a:endParaRPr lang="fr-BE"/>
           </a:p>
@@ -9454,7 +9859,273 @@
 </p:sld>
 </file>
 
-<file path=ppt/slides/slide19.xml><?xml version="1.0" encoding="utf-8"?>
+<file path=ppt/slides/slide2.xml><?xml version="1.0" encoding="utf-8"?>
+<p:sld xmlns:a="http://schemas.openxmlformats.org/drawingml/2006/main" xmlns:r="http://schemas.openxmlformats.org/officeDocument/2006/relationships" xmlns:p="http://schemas.openxmlformats.org/presentationml/2006/main">
+  <p:cSld>
+    <p:spTree>
+      <p:nvGrpSpPr>
+        <p:cNvPr id="1" name=""/>
+        <p:cNvGrpSpPr/>
+        <p:nvPr/>
+      </p:nvGrpSpPr>
+      <p:grpSpPr>
+        <a:xfrm>
+          <a:off x="0" y="0"/>
+          <a:ext cx="0" cy="0"/>
+          <a:chOff x="0" y="0"/>
+          <a:chExt cx="0" cy="0"/>
+        </a:xfrm>
+      </p:grpSpPr>
+      <p:sp>
+        <p:nvSpPr>
+          <p:cNvPr id="2" name="Titre 1"/>
+          <p:cNvSpPr>
+            <a:spLocks noGrp="1"/>
+          </p:cNvSpPr>
+          <p:nvPr>
+            <p:ph type="title"/>
+          </p:nvPr>
+        </p:nvSpPr>
+        <p:spPr/>
+        <p:txBody>
+          <a:bodyPr/>
+          <a:lstStyle/>
+          <a:p>
+            <a:r>
+              <a:rPr lang="fr-FR" dirty="0" smtClean="0"/>
+              <a:t>Modelisator – au service de l’esprit</a:t>
+            </a:r>
+            <a:endParaRPr lang="fr-FR" dirty="0"/>
+          </a:p>
+        </p:txBody>
+      </p:sp>
+      <p:sp>
+        <p:nvSpPr>
+          <p:cNvPr id="3" name="Espace réservé du contenu 2"/>
+          <p:cNvSpPr>
+            <a:spLocks noGrp="1"/>
+          </p:cNvSpPr>
+          <p:nvPr>
+            <p:ph idx="1"/>
+          </p:nvPr>
+        </p:nvSpPr>
+        <p:spPr/>
+        <p:txBody>
+          <a:bodyPr>
+            <a:normAutofit lnSpcReduction="10000"/>
+          </a:bodyPr>
+          <a:lstStyle/>
+          <a:p>
+            <a:pPr marL="0" lvl="1" indent="0" fontAlgn="base">
+              <a:buNone/>
+            </a:pPr>
+            <a:r>
+              <a:rPr lang="fr-FR" b="0" dirty="0" smtClean="0"/>
+              <a:t>Sommaire :</a:t>
+            </a:r>
+          </a:p>
+          <a:p>
+            <a:pPr marL="0" lvl="1" indent="0" fontAlgn="base">
+              <a:buNone/>
+            </a:pPr>
+            <a:endParaRPr lang="fr-FR" b="0" dirty="0" smtClean="0"/>
+          </a:p>
+          <a:p>
+            <a:pPr marL="571500" lvl="2" indent="-342900" fontAlgn="base">
+              <a:buFont typeface="+mj-lt"/>
+              <a:buAutoNum type="arabicPeriod"/>
+            </a:pPr>
+            <a:r>
+              <a:rPr lang="fr-FR" sz="2000" b="0" dirty="0" smtClean="0"/>
+              <a:t>Spirit Master Team</a:t>
+            </a:r>
+          </a:p>
+          <a:p>
+            <a:pPr marL="571500" lvl="2" indent="-342900" fontAlgn="base">
+              <a:buFont typeface="+mj-lt"/>
+              <a:buAutoNum type="arabicPeriod"/>
+            </a:pPr>
+            <a:r>
+              <a:rPr lang="fr-FR" sz="2000" dirty="0"/>
+              <a:t>M</a:t>
+            </a:r>
+            <a:r>
+              <a:rPr lang="fr-FR" sz="2000" b="0" dirty="0" smtClean="0"/>
+              <a:t>odelisator</a:t>
+            </a:r>
+          </a:p>
+          <a:p>
+            <a:pPr marL="571500" lvl="2" indent="-342900" fontAlgn="base">
+              <a:buFont typeface="+mj-lt"/>
+              <a:buAutoNum type="arabicPeriod"/>
+            </a:pPr>
+            <a:r>
+              <a:rPr lang="fr-FR" sz="2000" dirty="0" smtClean="0"/>
+              <a:t>Méthodologie</a:t>
+            </a:r>
+          </a:p>
+          <a:p>
+            <a:pPr marL="571500" lvl="2" indent="-342900" fontAlgn="base">
+              <a:buFont typeface="+mj-lt"/>
+              <a:buAutoNum type="arabicPeriod"/>
+            </a:pPr>
+            <a:r>
+              <a:rPr lang="fr-FR" sz="2000" dirty="0"/>
+              <a:t>Systèmes </a:t>
+            </a:r>
+            <a:r>
+              <a:rPr lang="fr-FR" sz="2000" dirty="0" smtClean="0"/>
+              <a:t>processus</a:t>
+            </a:r>
+          </a:p>
+          <a:p>
+            <a:pPr marL="571500" lvl="2" indent="-342900" fontAlgn="base">
+              <a:buFont typeface="+mj-lt"/>
+              <a:buAutoNum type="arabicPeriod"/>
+            </a:pPr>
+            <a:r>
+              <a:rPr lang="fr-FR" sz="2000" b="0" dirty="0" smtClean="0"/>
+              <a:t>Gestion de projet</a:t>
+            </a:r>
+          </a:p>
+          <a:p>
+            <a:pPr marL="571500" lvl="2" indent="-342900" fontAlgn="base">
+              <a:buFont typeface="+mj-lt"/>
+              <a:buAutoNum type="arabicPeriod"/>
+            </a:pPr>
+            <a:r>
+              <a:rPr lang="fr-FR" sz="2000" dirty="0" smtClean="0"/>
+              <a:t>Maquettes</a:t>
+            </a:r>
+            <a:endParaRPr lang="fr-FR" sz="2000" b="0" dirty="0" smtClean="0"/>
+          </a:p>
+          <a:p>
+            <a:pPr marL="571500" lvl="2" indent="-342900" fontAlgn="base">
+              <a:buFont typeface="+mj-lt"/>
+              <a:buAutoNum type="arabicPeriod"/>
+            </a:pPr>
+            <a:r>
+              <a:rPr lang="fr-FR" sz="2000" dirty="0" smtClean="0"/>
+              <a:t>Développements</a:t>
+            </a:r>
+          </a:p>
+          <a:p>
+            <a:pPr marL="571500" lvl="2" indent="-342900" fontAlgn="base">
+              <a:buFont typeface="+mj-lt"/>
+              <a:buAutoNum type="arabicPeriod"/>
+            </a:pPr>
+            <a:r>
+              <a:rPr lang="fr-FR" sz="2000" b="0" dirty="0" smtClean="0"/>
+              <a:t>Tests</a:t>
+            </a:r>
+            <a:endParaRPr lang="fr-FR" sz="2000" b="0" dirty="0"/>
+          </a:p>
+          <a:p>
+            <a:pPr marL="571500" lvl="2" indent="-342900" fontAlgn="base">
+              <a:buFont typeface="+mj-lt"/>
+              <a:buAutoNum type="arabicPeriod"/>
+            </a:pPr>
+            <a:r>
+              <a:rPr lang="fr-FR" sz="2000" b="0" dirty="0" smtClean="0"/>
+              <a:t>Démonstration</a:t>
+            </a:r>
+            <a:endParaRPr lang="fr-FR" sz="2000" b="0" dirty="0"/>
+          </a:p>
+          <a:p>
+            <a:endParaRPr lang="fr-FR" dirty="0"/>
+          </a:p>
+        </p:txBody>
+      </p:sp>
+      <p:sp>
+        <p:nvSpPr>
+          <p:cNvPr id="4" name="Espace réservé de la date 3"/>
+          <p:cNvSpPr>
+            <a:spLocks noGrp="1"/>
+          </p:cNvSpPr>
+          <p:nvPr>
+            <p:ph type="dt" sz="half" idx="10"/>
+          </p:nvPr>
+        </p:nvSpPr>
+        <p:spPr/>
+        <p:txBody>
+          <a:bodyPr/>
+          <a:lstStyle/>
+          <a:p>
+            <a:fld id="{0698F06C-FD65-4031-B30D-B26F029F25F7}" type="datetime1">
+              <a:rPr lang="fr-FR" smtClean="0"/>
+              <a:t>18/06/2015</a:t>
+            </a:fld>
+            <a:endParaRPr lang="fr-BE"/>
+          </a:p>
+        </p:txBody>
+      </p:sp>
+      <p:sp>
+        <p:nvSpPr>
+          <p:cNvPr id="5" name="Espace réservé du pied de page 4"/>
+          <p:cNvSpPr>
+            <a:spLocks noGrp="1"/>
+          </p:cNvSpPr>
+          <p:nvPr>
+            <p:ph type="ftr" sz="quarter" idx="11"/>
+          </p:nvPr>
+        </p:nvSpPr>
+        <p:spPr/>
+        <p:txBody>
+          <a:bodyPr/>
+          <a:lstStyle/>
+          <a:p>
+            <a:r>
+              <a:rPr lang="fr-FR" smtClean="0"/>
+              <a:t>Apprenti Ingénieur informatique - UTBM -CFAI</a:t>
+            </a:r>
+            <a:endParaRPr lang="fr-BE"/>
+          </a:p>
+        </p:txBody>
+      </p:sp>
+      <p:sp>
+        <p:nvSpPr>
+          <p:cNvPr id="6" name="Espace réservé du numéro de diapositive 5"/>
+          <p:cNvSpPr>
+            <a:spLocks noGrp="1"/>
+          </p:cNvSpPr>
+          <p:nvPr>
+            <p:ph type="sldNum" sz="quarter" idx="12"/>
+          </p:nvPr>
+        </p:nvSpPr>
+        <p:spPr/>
+        <p:txBody>
+          <a:bodyPr/>
+          <a:lstStyle/>
+          <a:p>
+            <a:fld id="{CF4668DC-857F-487D-BFFA-8C0CA5037977}" type="slidenum">
+              <a:rPr lang="fr-BE" smtClean="0"/>
+              <a:t>2</a:t>
+            </a:fld>
+            <a:endParaRPr lang="fr-BE"/>
+          </a:p>
+        </p:txBody>
+      </p:sp>
+    </p:spTree>
+    <p:extLst>
+      <p:ext uri="{BB962C8B-B14F-4D97-AF65-F5344CB8AC3E}">
+        <p14:creationId xmlns:p14="http://schemas.microsoft.com/office/powerpoint/2010/main" val="1858233497"/>
+      </p:ext>
+    </p:extLst>
+  </p:cSld>
+  <p:clrMapOvr>
+    <a:masterClrMapping/>
+  </p:clrMapOvr>
+  <p:timing>
+    <p:tnLst>
+      <p:par>
+        <p:cTn id="1" dur="indefinite" restart="never" nodeType="tmRoot"/>
+      </p:par>
+    </p:tnLst>
+  </p:timing>
+</p:sld>
+</file>
+
+<file path=ppt/slides/slide20.xml><?xml version="1.0" encoding="utf-8"?>
 <p:sld xmlns:a="http://schemas.openxmlformats.org/drawingml/2006/main" xmlns:r="http://schemas.openxmlformats.org/officeDocument/2006/relationships" xmlns:p="http://schemas.openxmlformats.org/presentationml/2006/main">
   <p:cSld>
     <p:spTree>
@@ -9628,7 +10299,7 @@
                 </a:effectLst>
               </a:rPr>
               <a:pPr/>
-              <a:t>19</a:t>
+              <a:t>20</a:t>
             </a:fld>
             <a:endParaRPr lang="fr-BE" dirty="0">
               <a:solidFill>
@@ -9667,273 +10338,7 @@
 </p:sld>
 </file>
 
-<file path=ppt/slides/slide2.xml><?xml version="1.0" encoding="utf-8"?>
-<p:sld xmlns:a="http://schemas.openxmlformats.org/drawingml/2006/main" xmlns:r="http://schemas.openxmlformats.org/officeDocument/2006/relationships" xmlns:p="http://schemas.openxmlformats.org/presentationml/2006/main">
-  <p:cSld>
-    <p:spTree>
-      <p:nvGrpSpPr>
-        <p:cNvPr id="1" name=""/>
-        <p:cNvGrpSpPr/>
-        <p:nvPr/>
-      </p:nvGrpSpPr>
-      <p:grpSpPr>
-        <a:xfrm>
-          <a:off x="0" y="0"/>
-          <a:ext cx="0" cy="0"/>
-          <a:chOff x="0" y="0"/>
-          <a:chExt cx="0" cy="0"/>
-        </a:xfrm>
-      </p:grpSpPr>
-      <p:sp>
-        <p:nvSpPr>
-          <p:cNvPr id="2" name="Titre 1"/>
-          <p:cNvSpPr>
-            <a:spLocks noGrp="1"/>
-          </p:cNvSpPr>
-          <p:nvPr>
-            <p:ph type="title"/>
-          </p:nvPr>
-        </p:nvSpPr>
-        <p:spPr/>
-        <p:txBody>
-          <a:bodyPr/>
-          <a:lstStyle/>
-          <a:p>
-            <a:r>
-              <a:rPr lang="fr-FR" dirty="0" smtClean="0"/>
-              <a:t>Modelisator – au service de l’esprit</a:t>
-            </a:r>
-            <a:endParaRPr lang="fr-FR" dirty="0"/>
-          </a:p>
-        </p:txBody>
-      </p:sp>
-      <p:sp>
-        <p:nvSpPr>
-          <p:cNvPr id="3" name="Espace réservé du contenu 2"/>
-          <p:cNvSpPr>
-            <a:spLocks noGrp="1"/>
-          </p:cNvSpPr>
-          <p:nvPr>
-            <p:ph idx="1"/>
-          </p:nvPr>
-        </p:nvSpPr>
-        <p:spPr/>
-        <p:txBody>
-          <a:bodyPr>
-            <a:normAutofit lnSpcReduction="10000"/>
-          </a:bodyPr>
-          <a:lstStyle/>
-          <a:p>
-            <a:pPr marL="0" lvl="1" indent="0" fontAlgn="base">
-              <a:buNone/>
-            </a:pPr>
-            <a:r>
-              <a:rPr lang="fr-FR" b="0" dirty="0" smtClean="0"/>
-              <a:t>Sommaire :</a:t>
-            </a:r>
-          </a:p>
-          <a:p>
-            <a:pPr marL="0" lvl="1" indent="0" fontAlgn="base">
-              <a:buNone/>
-            </a:pPr>
-            <a:endParaRPr lang="fr-FR" b="0" dirty="0" smtClean="0"/>
-          </a:p>
-          <a:p>
-            <a:pPr marL="571500" lvl="2" indent="-342900" fontAlgn="base">
-              <a:buFont typeface="+mj-lt"/>
-              <a:buAutoNum type="arabicPeriod"/>
-            </a:pPr>
-            <a:r>
-              <a:rPr lang="fr-FR" sz="2000" b="0" dirty="0" smtClean="0"/>
-              <a:t>Spirit Master Team</a:t>
-            </a:r>
-          </a:p>
-          <a:p>
-            <a:pPr marL="571500" lvl="2" indent="-342900" fontAlgn="base">
-              <a:buFont typeface="+mj-lt"/>
-              <a:buAutoNum type="arabicPeriod"/>
-            </a:pPr>
-            <a:r>
-              <a:rPr lang="fr-FR" sz="2000" dirty="0"/>
-              <a:t>M</a:t>
-            </a:r>
-            <a:r>
-              <a:rPr lang="fr-FR" sz="2000" b="0" dirty="0" smtClean="0"/>
-              <a:t>odelisator</a:t>
-            </a:r>
-          </a:p>
-          <a:p>
-            <a:pPr marL="571500" lvl="2" indent="-342900" fontAlgn="base">
-              <a:buFont typeface="+mj-lt"/>
-              <a:buAutoNum type="arabicPeriod"/>
-            </a:pPr>
-            <a:r>
-              <a:rPr lang="fr-FR" sz="2000" dirty="0" smtClean="0"/>
-              <a:t>Méthodologie</a:t>
-            </a:r>
-          </a:p>
-          <a:p>
-            <a:pPr marL="571500" lvl="2" indent="-342900" fontAlgn="base">
-              <a:buFont typeface="+mj-lt"/>
-              <a:buAutoNum type="arabicPeriod"/>
-            </a:pPr>
-            <a:r>
-              <a:rPr lang="fr-FR" sz="2000" dirty="0"/>
-              <a:t>Systèmes </a:t>
-            </a:r>
-            <a:r>
-              <a:rPr lang="fr-FR" sz="2000" dirty="0" smtClean="0"/>
-              <a:t>processus</a:t>
-            </a:r>
-          </a:p>
-          <a:p>
-            <a:pPr marL="571500" lvl="2" indent="-342900" fontAlgn="base">
-              <a:buFont typeface="+mj-lt"/>
-              <a:buAutoNum type="arabicPeriod"/>
-            </a:pPr>
-            <a:r>
-              <a:rPr lang="fr-FR" sz="2000" b="0" dirty="0" smtClean="0"/>
-              <a:t>Gestion de projet</a:t>
-            </a:r>
-          </a:p>
-          <a:p>
-            <a:pPr marL="571500" lvl="2" indent="-342900" fontAlgn="base">
-              <a:buFont typeface="+mj-lt"/>
-              <a:buAutoNum type="arabicPeriod"/>
-            </a:pPr>
-            <a:r>
-              <a:rPr lang="fr-FR" sz="2000" dirty="0" smtClean="0"/>
-              <a:t>Maquettes</a:t>
-            </a:r>
-            <a:endParaRPr lang="fr-FR" sz="2000" b="0" dirty="0" smtClean="0"/>
-          </a:p>
-          <a:p>
-            <a:pPr marL="571500" lvl="2" indent="-342900" fontAlgn="base">
-              <a:buFont typeface="+mj-lt"/>
-              <a:buAutoNum type="arabicPeriod"/>
-            </a:pPr>
-            <a:r>
-              <a:rPr lang="fr-FR" sz="2000" dirty="0" smtClean="0"/>
-              <a:t>Développements</a:t>
-            </a:r>
-          </a:p>
-          <a:p>
-            <a:pPr marL="571500" lvl="2" indent="-342900" fontAlgn="base">
-              <a:buFont typeface="+mj-lt"/>
-              <a:buAutoNum type="arabicPeriod"/>
-            </a:pPr>
-            <a:r>
-              <a:rPr lang="fr-FR" sz="2000" b="0" dirty="0" smtClean="0"/>
-              <a:t>Tests</a:t>
-            </a:r>
-            <a:endParaRPr lang="fr-FR" sz="2000" b="0" dirty="0"/>
-          </a:p>
-          <a:p>
-            <a:pPr marL="571500" lvl="2" indent="-342900" fontAlgn="base">
-              <a:buFont typeface="+mj-lt"/>
-              <a:buAutoNum type="arabicPeriod"/>
-            </a:pPr>
-            <a:r>
-              <a:rPr lang="fr-FR" sz="2000" b="0" dirty="0" smtClean="0"/>
-              <a:t>Démonstration</a:t>
-            </a:r>
-            <a:endParaRPr lang="fr-FR" sz="2000" b="0" dirty="0"/>
-          </a:p>
-          <a:p>
-            <a:endParaRPr lang="fr-FR" dirty="0"/>
-          </a:p>
-        </p:txBody>
-      </p:sp>
-      <p:sp>
-        <p:nvSpPr>
-          <p:cNvPr id="4" name="Espace réservé de la date 3"/>
-          <p:cNvSpPr>
-            <a:spLocks noGrp="1"/>
-          </p:cNvSpPr>
-          <p:nvPr>
-            <p:ph type="dt" sz="half" idx="10"/>
-          </p:nvPr>
-        </p:nvSpPr>
-        <p:spPr/>
-        <p:txBody>
-          <a:bodyPr/>
-          <a:lstStyle/>
-          <a:p>
-            <a:fld id="{0698F06C-FD65-4031-B30D-B26F029F25F7}" type="datetime1">
-              <a:rPr lang="fr-FR" smtClean="0"/>
-              <a:t>18/06/2015</a:t>
-            </a:fld>
-            <a:endParaRPr lang="fr-BE"/>
-          </a:p>
-        </p:txBody>
-      </p:sp>
-      <p:sp>
-        <p:nvSpPr>
-          <p:cNvPr id="5" name="Espace réservé du pied de page 4"/>
-          <p:cNvSpPr>
-            <a:spLocks noGrp="1"/>
-          </p:cNvSpPr>
-          <p:nvPr>
-            <p:ph type="ftr" sz="quarter" idx="11"/>
-          </p:nvPr>
-        </p:nvSpPr>
-        <p:spPr/>
-        <p:txBody>
-          <a:bodyPr/>
-          <a:lstStyle/>
-          <a:p>
-            <a:r>
-              <a:rPr lang="fr-FR" smtClean="0"/>
-              <a:t>Apprenti Ingénieur informatique - UTBM -CFAI</a:t>
-            </a:r>
-            <a:endParaRPr lang="fr-BE"/>
-          </a:p>
-        </p:txBody>
-      </p:sp>
-      <p:sp>
-        <p:nvSpPr>
-          <p:cNvPr id="6" name="Espace réservé du numéro de diapositive 5"/>
-          <p:cNvSpPr>
-            <a:spLocks noGrp="1"/>
-          </p:cNvSpPr>
-          <p:nvPr>
-            <p:ph type="sldNum" sz="quarter" idx="12"/>
-          </p:nvPr>
-        </p:nvSpPr>
-        <p:spPr/>
-        <p:txBody>
-          <a:bodyPr/>
-          <a:lstStyle/>
-          <a:p>
-            <a:fld id="{CF4668DC-857F-487D-BFFA-8C0CA5037977}" type="slidenum">
-              <a:rPr lang="fr-BE" smtClean="0"/>
-              <a:t>2</a:t>
-            </a:fld>
-            <a:endParaRPr lang="fr-BE"/>
-          </a:p>
-        </p:txBody>
-      </p:sp>
-    </p:spTree>
-    <p:extLst>
-      <p:ext uri="{BB962C8B-B14F-4D97-AF65-F5344CB8AC3E}">
-        <p14:creationId xmlns:p14="http://schemas.microsoft.com/office/powerpoint/2010/main" val="1858233497"/>
-      </p:ext>
-    </p:extLst>
-  </p:cSld>
-  <p:clrMapOvr>
-    <a:masterClrMapping/>
-  </p:clrMapOvr>
-  <p:timing>
-    <p:tnLst>
-      <p:par>
-        <p:cTn id="1" dur="indefinite" restart="never" nodeType="tmRoot"/>
-      </p:par>
-    </p:tnLst>
-  </p:timing>
-</p:sld>
-</file>
-
-<file path=ppt/slides/slide20.xml><?xml version="1.0" encoding="utf-8"?>
+<file path=ppt/slides/slide21.xml><?xml version="1.0" encoding="utf-8"?>
 <p:sld xmlns:a="http://schemas.openxmlformats.org/drawingml/2006/main" xmlns:r="http://schemas.openxmlformats.org/officeDocument/2006/relationships" xmlns:p="http://schemas.openxmlformats.org/presentationml/2006/main">
   <p:cSld>
     <p:spTree>
@@ -10098,7 +10503,7 @@
                   </a:outerShdw>
                 </a:effectLst>
               </a:rPr>
-              <a:t>20</a:t>
+              <a:t>21</a:t>
             </a:fld>
             <a:endParaRPr lang="fr-BE" dirty="0">
               <a:solidFill>
@@ -10137,7 +10542,7 @@
 </p:sld>
 </file>
 
-<file path=ppt/slides/slide21.xml><?xml version="1.0" encoding="utf-8"?>
+<file path=ppt/slides/slide22.xml><?xml version="1.0" encoding="utf-8"?>
 <p:sld xmlns:a="http://schemas.openxmlformats.org/drawingml/2006/main" xmlns:r="http://schemas.openxmlformats.org/officeDocument/2006/relationships" xmlns:p="http://schemas.openxmlformats.org/presentationml/2006/main">
   <p:cSld>
     <p:spTree>
@@ -10311,7 +10716,7 @@
                 </a:effectLst>
               </a:rPr>
               <a:pPr/>
-              <a:t>21</a:t>
+              <a:t>22</a:t>
             </a:fld>
             <a:endParaRPr lang="fr-BE">
               <a:solidFill>
@@ -10350,7 +10755,7 @@
 </p:sld>
 </file>
 
-<file path=ppt/slides/slide22.xml><?xml version="1.0" encoding="utf-8"?>
+<file path=ppt/slides/slide23.xml><?xml version="1.0" encoding="utf-8"?>
 <p:sld xmlns:a="http://schemas.openxmlformats.org/drawingml/2006/main" xmlns:r="http://schemas.openxmlformats.org/officeDocument/2006/relationships" xmlns:p="http://schemas.openxmlformats.org/presentationml/2006/main">
   <p:cSld>
     <p:spTree>
@@ -10524,7 +10929,7 @@
                 </a:effectLst>
               </a:rPr>
               <a:pPr/>
-              <a:t>22</a:t>
+              <a:t>23</a:t>
             </a:fld>
             <a:endParaRPr lang="fr-BE">
               <a:solidFill>
@@ -10563,7 +10968,7 @@
 </p:sld>
 </file>
 
-<file path=ppt/slides/slide23.xml><?xml version="1.0" encoding="utf-8"?>
+<file path=ppt/slides/slide24.xml><?xml version="1.0" encoding="utf-8"?>
 <p:sld xmlns:a="http://schemas.openxmlformats.org/drawingml/2006/main" xmlns:r="http://schemas.openxmlformats.org/officeDocument/2006/relationships" xmlns:p="http://schemas.openxmlformats.org/presentationml/2006/main">
   <p:cSld>
     <p:spTree>
@@ -10597,11 +11002,7 @@
           <a:p>
             <a:r>
               <a:rPr lang="fr-FR" dirty="0" smtClean="0"/>
-              <a:t>VII. </a:t>
-            </a:r>
-            <a:r>
-              <a:rPr lang="fr-FR" dirty="0" smtClean="0"/>
-              <a:t>DEVELOPPEMENT</a:t>
+              <a:t>VII. DEVELOPPEMENT</a:t>
             </a:r>
             <a:endParaRPr lang="fr-FR" dirty="0"/>
           </a:p>
@@ -10793,7 +11194,7 @@
           <a:p>
             <a:fld id="{CF4668DC-857F-487D-BFFA-8C0CA5037977}" type="slidenum">
               <a:rPr lang="fr-BE" smtClean="0"/>
-              <a:t>23</a:t>
+              <a:t>24</a:t>
             </a:fld>
             <a:endParaRPr lang="fr-BE"/>
           </a:p>
@@ -11039,7 +11440,7 @@
 </p:sld>
 </file>
 
-<file path=ppt/slides/slide24.xml><?xml version="1.0" encoding="utf-8"?>
+<file path=ppt/slides/slide25.xml><?xml version="1.0" encoding="utf-8"?>
 <p:sld xmlns:a="http://schemas.openxmlformats.org/drawingml/2006/main" xmlns:r="http://schemas.openxmlformats.org/officeDocument/2006/relationships" xmlns:p="http://schemas.openxmlformats.org/presentationml/2006/main">
   <p:cSld>
     <p:spTree>
@@ -11247,7 +11648,7 @@
           <a:p>
             <a:fld id="{CF4668DC-857F-487D-BFFA-8C0CA5037977}" type="slidenum">
               <a:rPr lang="fr-BE" smtClean="0"/>
-              <a:t>24</a:t>
+              <a:t>25</a:t>
             </a:fld>
             <a:endParaRPr lang="fr-BE"/>
           </a:p>
@@ -11273,7 +11674,7 @@
 </p:sld>
 </file>
 
-<file path=ppt/slides/slide25.xml><?xml version="1.0" encoding="utf-8"?>
+<file path=ppt/slides/slide26.xml><?xml version="1.0" encoding="utf-8"?>
 <p:sld xmlns:a="http://schemas.openxmlformats.org/drawingml/2006/main" xmlns:r="http://schemas.openxmlformats.org/officeDocument/2006/relationships" xmlns:p="http://schemas.openxmlformats.org/presentationml/2006/main">
   <p:cSld>
     <p:spTree>
@@ -11417,7 +11818,7 @@
           <a:p>
             <a:fld id="{CF4668DC-857F-487D-BFFA-8C0CA5037977}" type="slidenum">
               <a:rPr lang="fr-BE" smtClean="0"/>
-              <a:t>25</a:t>
+              <a:t>26</a:t>
             </a:fld>
             <a:endParaRPr lang="fr-BE"/>
           </a:p>
@@ -11443,7 +11844,7 @@
 </p:sld>
 </file>
 
-<file path=ppt/slides/slide26.xml><?xml version="1.0" encoding="utf-8"?>
+<file path=ppt/slides/slide27.xml><?xml version="1.0" encoding="utf-8"?>
 <p:sld xmlns:a="http://schemas.openxmlformats.org/drawingml/2006/main" xmlns:r="http://schemas.openxmlformats.org/officeDocument/2006/relationships" xmlns:p="http://schemas.openxmlformats.org/presentationml/2006/main">
   <p:cSld>
     <p:spTree>
@@ -11477,6 +11878,674 @@
           <a:p>
             <a:r>
               <a:rPr lang="fr-FR" dirty="0" smtClean="0"/>
+              <a:t>VI. DEVELOPPEMENT</a:t>
+            </a:r>
+            <a:endParaRPr lang="fr-FR" dirty="0"/>
+          </a:p>
+        </p:txBody>
+      </p:sp>
+      <p:sp>
+        <p:nvSpPr>
+          <p:cNvPr id="3" name="Espace réservé de la date 2"/>
+          <p:cNvSpPr>
+            <a:spLocks noGrp="1"/>
+          </p:cNvSpPr>
+          <p:nvPr>
+            <p:ph type="dt" sz="half" idx="10"/>
+          </p:nvPr>
+        </p:nvSpPr>
+        <p:spPr/>
+        <p:txBody>
+          <a:bodyPr/>
+          <a:lstStyle/>
+          <a:p>
+            <a:fld id="{C283E36A-361D-483A-ACD3-BA431A5D0BD2}" type="datetime1">
+              <a:rPr lang="fr-FR" smtClean="0"/>
+              <a:t>18/06/2015</a:t>
+            </a:fld>
+            <a:endParaRPr lang="fr-BE"/>
+          </a:p>
+        </p:txBody>
+      </p:sp>
+      <p:sp>
+        <p:nvSpPr>
+          <p:cNvPr id="4" name="Espace réservé du pied de page 3"/>
+          <p:cNvSpPr>
+            <a:spLocks noGrp="1"/>
+          </p:cNvSpPr>
+          <p:nvPr>
+            <p:ph type="ftr" sz="quarter" idx="11"/>
+          </p:nvPr>
+        </p:nvSpPr>
+        <p:spPr/>
+        <p:txBody>
+          <a:bodyPr/>
+          <a:lstStyle/>
+          <a:p>
+            <a:r>
+              <a:rPr lang="fr-FR" smtClean="0"/>
+              <a:t>Apprenti Ingénieur informatique - UTBM -CFAI</a:t>
+            </a:r>
+            <a:endParaRPr lang="fr-BE"/>
+          </a:p>
+        </p:txBody>
+      </p:sp>
+      <p:sp>
+        <p:nvSpPr>
+          <p:cNvPr id="5" name="Espace réservé du numéro de diapositive 4"/>
+          <p:cNvSpPr>
+            <a:spLocks noGrp="1"/>
+          </p:cNvSpPr>
+          <p:nvPr>
+            <p:ph type="sldNum" sz="quarter" idx="12"/>
+          </p:nvPr>
+        </p:nvSpPr>
+        <p:spPr/>
+        <p:txBody>
+          <a:bodyPr/>
+          <a:lstStyle/>
+          <a:p>
+            <a:fld id="{CF4668DC-857F-487D-BFFA-8C0CA5037977}" type="slidenum">
+              <a:rPr lang="fr-BE" smtClean="0"/>
+              <a:t>27</a:t>
+            </a:fld>
+            <a:endParaRPr lang="fr-BE"/>
+          </a:p>
+        </p:txBody>
+      </p:sp>
+      <p:pic>
+        <p:nvPicPr>
+          <p:cNvPr id="1026" name="Picture 2" descr="D:\MesDocuments\Etude_Omar\05_UTBM_S3-S4\[Projet]\[Modelisator]\Source\Gestion de projet\2015_06_10 [Modelisator] Step 4\Dictionnaire de données - modèle.jpg"/>
+          <p:cNvPicPr>
+            <a:picLocks noChangeAspect="1" noChangeArrowheads="1"/>
+          </p:cNvPicPr>
+          <p:nvPr/>
+        </p:nvPicPr>
+        <p:blipFill rotWithShape="1">
+          <a:blip r:embed="rId3" cstate="print">
+            <a:extLst>
+              <a:ext uri="{28A0092B-C50C-407E-A947-70E740481C1C}">
+                <a14:useLocalDpi xmlns:a14="http://schemas.microsoft.com/office/drawing/2010/main" val="0"/>
+              </a:ext>
+            </a:extLst>
+          </a:blip>
+          <a:srcRect t="15730" b="9501"/>
+          <a:stretch/>
+        </p:blipFill>
+        <p:spPr bwMode="auto">
+          <a:xfrm>
+            <a:off x="1115616" y="111449"/>
+            <a:ext cx="6768752" cy="6747926"/>
+          </a:xfrm>
+          <a:prstGeom prst="rect">
+            <a:avLst/>
+          </a:prstGeom>
+          <a:noFill/>
+          <a:extLst>
+            <a:ext uri="{909E8E84-426E-40DD-AFC4-6F175D3DCCD1}">
+              <a14:hiddenFill xmlns:a14="http://schemas.microsoft.com/office/drawing/2010/main">
+                <a:solidFill>
+                  <a:srgbClr val="FFFFFF"/>
+                </a:solidFill>
+              </a14:hiddenFill>
+            </a:ext>
+          </a:extLst>
+        </p:spPr>
+      </p:pic>
+      <p:pic>
+        <p:nvPicPr>
+          <p:cNvPr id="1027" name="Picture 3"/>
+          <p:cNvPicPr>
+            <a:picLocks noChangeAspect="1" noChangeArrowheads="1"/>
+          </p:cNvPicPr>
+          <p:nvPr/>
+        </p:nvPicPr>
+        <p:blipFill>
+          <a:blip r:embed="rId4">
+            <a:extLst>
+              <a:ext uri="{28A0092B-C50C-407E-A947-70E740481C1C}">
+                <a14:useLocalDpi xmlns:a14="http://schemas.microsoft.com/office/drawing/2010/main" val="0"/>
+              </a:ext>
+            </a:extLst>
+          </a:blip>
+          <a:srcRect/>
+          <a:stretch>
+            <a:fillRect/>
+          </a:stretch>
+        </p:blipFill>
+        <p:spPr bwMode="auto">
+          <a:xfrm>
+            <a:off x="0" y="504825"/>
+            <a:ext cx="9204299" cy="5156423"/>
+          </a:xfrm>
+          <a:prstGeom prst="rect">
+            <a:avLst/>
+          </a:prstGeom>
+          <a:noFill/>
+          <a:ln>
+            <a:noFill/>
+          </a:ln>
+          <a:effectLst/>
+          <a:extLst>
+            <a:ext uri="{909E8E84-426E-40DD-AFC4-6F175D3DCCD1}">
+              <a14:hiddenFill xmlns:a14="http://schemas.microsoft.com/office/drawing/2010/main">
+                <a:solidFill>
+                  <a:schemeClr val="accent1"/>
+                </a:solidFill>
+              </a14:hiddenFill>
+            </a:ext>
+            <a:ext uri="{91240B29-F687-4F45-9708-019B960494DF}">
+              <a14:hiddenLine xmlns:a14="http://schemas.microsoft.com/office/drawing/2010/main" w="9525">
+                <a:solidFill>
+                  <a:schemeClr val="tx1"/>
+                </a:solidFill>
+                <a:miter lim="800000"/>
+                <a:headEnd/>
+                <a:tailEnd/>
+              </a14:hiddenLine>
+            </a:ext>
+            <a:ext uri="{AF507438-7753-43E0-B8FC-AC1667EBCBE1}">
+              <a14:hiddenEffects xmlns:a14="http://schemas.microsoft.com/office/drawing/2010/main">
+                <a:effectLst>
+                  <a:outerShdw dist="35921" dir="2700000" algn="ctr" rotWithShape="0">
+                    <a:schemeClr val="bg2"/>
+                  </a:outerShdw>
+                </a:effectLst>
+              </a14:hiddenEffects>
+            </a:ext>
+          </a:extLst>
+        </p:spPr>
+      </p:pic>
+      <p:pic>
+        <p:nvPicPr>
+          <p:cNvPr id="1028" name="Picture 4"/>
+          <p:cNvPicPr>
+            <a:picLocks noChangeAspect="1" noChangeArrowheads="1"/>
+          </p:cNvPicPr>
+          <p:nvPr/>
+        </p:nvPicPr>
+        <p:blipFill>
+          <a:blip r:embed="rId5">
+            <a:extLst>
+              <a:ext uri="{28A0092B-C50C-407E-A947-70E740481C1C}">
+                <a14:useLocalDpi xmlns:a14="http://schemas.microsoft.com/office/drawing/2010/main" val="0"/>
+              </a:ext>
+            </a:extLst>
+          </a:blip>
+          <a:srcRect/>
+          <a:stretch>
+            <a:fillRect/>
+          </a:stretch>
+        </p:blipFill>
+        <p:spPr bwMode="auto">
+          <a:xfrm>
+            <a:off x="0" y="1196752"/>
+            <a:ext cx="9120588" cy="4752373"/>
+          </a:xfrm>
+          <a:prstGeom prst="rect">
+            <a:avLst/>
+          </a:prstGeom>
+          <a:noFill/>
+          <a:ln>
+            <a:noFill/>
+          </a:ln>
+          <a:effectLst/>
+          <a:extLst>
+            <a:ext uri="{909E8E84-426E-40DD-AFC4-6F175D3DCCD1}">
+              <a14:hiddenFill xmlns:a14="http://schemas.microsoft.com/office/drawing/2010/main">
+                <a:solidFill>
+                  <a:schemeClr val="accent1"/>
+                </a:solidFill>
+              </a14:hiddenFill>
+            </a:ext>
+            <a:ext uri="{91240B29-F687-4F45-9708-019B960494DF}">
+              <a14:hiddenLine xmlns:a14="http://schemas.microsoft.com/office/drawing/2010/main" w="9525">
+                <a:solidFill>
+                  <a:schemeClr val="tx1"/>
+                </a:solidFill>
+                <a:miter lim="800000"/>
+                <a:headEnd/>
+                <a:tailEnd/>
+              </a14:hiddenLine>
+            </a:ext>
+            <a:ext uri="{AF507438-7753-43E0-B8FC-AC1667EBCBE1}">
+              <a14:hiddenEffects xmlns:a14="http://schemas.microsoft.com/office/drawing/2010/main">
+                <a:effectLst>
+                  <a:outerShdw dist="35921" dir="2700000" algn="ctr" rotWithShape="0">
+                    <a:schemeClr val="bg2"/>
+                  </a:outerShdw>
+                </a:effectLst>
+              </a14:hiddenEffects>
+            </a:ext>
+          </a:extLst>
+        </p:spPr>
+      </p:pic>
+    </p:spTree>
+    <p:extLst>
+      <p:ext uri="{BB962C8B-B14F-4D97-AF65-F5344CB8AC3E}">
+        <p14:creationId xmlns:p14="http://schemas.microsoft.com/office/powerpoint/2010/main" val="3049915530"/>
+      </p:ext>
+    </p:extLst>
+  </p:cSld>
+  <p:clrMapOvr>
+    <a:masterClrMapping/>
+  </p:clrMapOvr>
+  <p:timing>
+    <p:tnLst>
+      <p:par>
+        <p:cTn id="1" dur="indefinite" restart="never" nodeType="tmRoot">
+          <p:childTnLst>
+            <p:seq concurrent="1" nextAc="seek">
+              <p:cTn id="2" dur="indefinite" nodeType="mainSeq">
+                <p:childTnLst>
+                  <p:par>
+                    <p:cTn id="3" fill="hold">
+                      <p:stCondLst>
+                        <p:cond delay="indefinite"/>
+                      </p:stCondLst>
+                      <p:childTnLst>
+                        <p:par>
+                          <p:cTn id="4" fill="hold">
+                            <p:stCondLst>
+                              <p:cond delay="0"/>
+                            </p:stCondLst>
+                            <p:childTnLst>
+                              <p:par>
+                                <p:cTn id="5" presetID="10" presetClass="entr" presetSubtype="0" fill="hold" nodeType="clickEffect">
+                                  <p:stCondLst>
+                                    <p:cond delay="0"/>
+                                  </p:stCondLst>
+                                  <p:childTnLst>
+                                    <p:set>
+                                      <p:cBhvr>
+                                        <p:cTn id="6" dur="1" fill="hold">
+                                          <p:stCondLst>
+                                            <p:cond delay="0"/>
+                                          </p:stCondLst>
+                                        </p:cTn>
+                                        <p:tgtEl>
+                                          <p:spTgt spid="1026"/>
+                                        </p:tgtEl>
+                                        <p:attrNameLst>
+                                          <p:attrName>style.visibility</p:attrName>
+                                        </p:attrNameLst>
+                                      </p:cBhvr>
+                                      <p:to>
+                                        <p:strVal val="visible"/>
+                                      </p:to>
+                                    </p:set>
+                                    <p:animEffect transition="in" filter="fade">
+                                      <p:cBhvr>
+                                        <p:cTn id="7" dur="500"/>
+                                        <p:tgtEl>
+                                          <p:spTgt spid="1026"/>
+                                        </p:tgtEl>
+                                      </p:cBhvr>
+                                    </p:animEffect>
+                                  </p:childTnLst>
+                                </p:cTn>
+                              </p:par>
+                            </p:childTnLst>
+                          </p:cTn>
+                        </p:par>
+                      </p:childTnLst>
+                    </p:cTn>
+                  </p:par>
+                  <p:par>
+                    <p:cTn id="8" fill="hold">
+                      <p:stCondLst>
+                        <p:cond delay="indefinite"/>
+                      </p:stCondLst>
+                      <p:childTnLst>
+                        <p:par>
+                          <p:cTn id="9" fill="hold">
+                            <p:stCondLst>
+                              <p:cond delay="0"/>
+                            </p:stCondLst>
+                            <p:childTnLst>
+                              <p:par>
+                                <p:cTn id="10" presetID="10" presetClass="exit" presetSubtype="0" fill="hold" nodeType="clickEffect">
+                                  <p:stCondLst>
+                                    <p:cond delay="0"/>
+                                  </p:stCondLst>
+                                  <p:childTnLst>
+                                    <p:animEffect transition="out" filter="fade">
+                                      <p:cBhvr>
+                                        <p:cTn id="11" dur="500"/>
+                                        <p:tgtEl>
+                                          <p:spTgt spid="1026"/>
+                                        </p:tgtEl>
+                                      </p:cBhvr>
+                                    </p:animEffect>
+                                    <p:set>
+                                      <p:cBhvr>
+                                        <p:cTn id="12" dur="1" fill="hold">
+                                          <p:stCondLst>
+                                            <p:cond delay="499"/>
+                                          </p:stCondLst>
+                                        </p:cTn>
+                                        <p:tgtEl>
+                                          <p:spTgt spid="1026"/>
+                                        </p:tgtEl>
+                                        <p:attrNameLst>
+                                          <p:attrName>style.visibility</p:attrName>
+                                        </p:attrNameLst>
+                                      </p:cBhvr>
+                                      <p:to>
+                                        <p:strVal val="hidden"/>
+                                      </p:to>
+                                    </p:set>
+                                  </p:childTnLst>
+                                </p:cTn>
+                              </p:par>
+                            </p:childTnLst>
+                          </p:cTn>
+                        </p:par>
+                      </p:childTnLst>
+                    </p:cTn>
+                  </p:par>
+                  <p:par>
+                    <p:cTn id="13" fill="hold">
+                      <p:stCondLst>
+                        <p:cond delay="indefinite"/>
+                      </p:stCondLst>
+                      <p:childTnLst>
+                        <p:par>
+                          <p:cTn id="14" fill="hold">
+                            <p:stCondLst>
+                              <p:cond delay="0"/>
+                            </p:stCondLst>
+                            <p:childTnLst>
+                              <p:par>
+                                <p:cTn id="15" presetID="1" presetClass="entr" presetSubtype="0" fill="hold" nodeType="clickEffect">
+                                  <p:stCondLst>
+                                    <p:cond delay="0"/>
+                                  </p:stCondLst>
+                                  <p:childTnLst>
+                                    <p:set>
+                                      <p:cBhvr>
+                                        <p:cTn id="16" dur="1" fill="hold">
+                                          <p:stCondLst>
+                                            <p:cond delay="0"/>
+                                          </p:stCondLst>
+                                        </p:cTn>
+                                        <p:tgtEl>
+                                          <p:spTgt spid="1027"/>
+                                        </p:tgtEl>
+                                        <p:attrNameLst>
+                                          <p:attrName>style.visibility</p:attrName>
+                                        </p:attrNameLst>
+                                      </p:cBhvr>
+                                      <p:to>
+                                        <p:strVal val="visible"/>
+                                      </p:to>
+                                    </p:set>
+                                  </p:childTnLst>
+                                </p:cTn>
+                              </p:par>
+                            </p:childTnLst>
+                          </p:cTn>
+                        </p:par>
+                      </p:childTnLst>
+                    </p:cTn>
+                  </p:par>
+                  <p:par>
+                    <p:cTn id="17" fill="hold">
+                      <p:stCondLst>
+                        <p:cond delay="indefinite"/>
+                      </p:stCondLst>
+                      <p:childTnLst>
+                        <p:par>
+                          <p:cTn id="18" fill="hold">
+                            <p:stCondLst>
+                              <p:cond delay="0"/>
+                            </p:stCondLst>
+                            <p:childTnLst>
+                              <p:par>
+                                <p:cTn id="19" presetID="42" presetClass="exit" presetSubtype="0" fill="hold" nodeType="clickEffect">
+                                  <p:stCondLst>
+                                    <p:cond delay="0"/>
+                                  </p:stCondLst>
+                                  <p:childTnLst>
+                                    <p:animEffect transition="out" filter="fade">
+                                      <p:cBhvr>
+                                        <p:cTn id="20" dur="1000"/>
+                                        <p:tgtEl>
+                                          <p:spTgt spid="1027"/>
+                                        </p:tgtEl>
+                                      </p:cBhvr>
+                                    </p:animEffect>
+                                    <p:anim calcmode="lin" valueType="num">
+                                      <p:cBhvr>
+                                        <p:cTn id="21" dur="1000"/>
+                                        <p:tgtEl>
+                                          <p:spTgt spid="1027"/>
+                                        </p:tgtEl>
+                                        <p:attrNameLst>
+                                          <p:attrName>ppt_x</p:attrName>
+                                        </p:attrNameLst>
+                                      </p:cBhvr>
+                                      <p:tavLst>
+                                        <p:tav tm="0">
+                                          <p:val>
+                                            <p:strVal val="ppt_x"/>
+                                          </p:val>
+                                        </p:tav>
+                                        <p:tav tm="100000">
+                                          <p:val>
+                                            <p:strVal val="ppt_x"/>
+                                          </p:val>
+                                        </p:tav>
+                                      </p:tavLst>
+                                    </p:anim>
+                                    <p:anim calcmode="lin" valueType="num">
+                                      <p:cBhvr>
+                                        <p:cTn id="22" dur="1000"/>
+                                        <p:tgtEl>
+                                          <p:spTgt spid="1027"/>
+                                        </p:tgtEl>
+                                        <p:attrNameLst>
+                                          <p:attrName>ppt_y</p:attrName>
+                                        </p:attrNameLst>
+                                      </p:cBhvr>
+                                      <p:tavLst>
+                                        <p:tav tm="0">
+                                          <p:val>
+                                            <p:strVal val="ppt_y"/>
+                                          </p:val>
+                                        </p:tav>
+                                        <p:tav tm="100000">
+                                          <p:val>
+                                            <p:strVal val="ppt_y+.1"/>
+                                          </p:val>
+                                        </p:tav>
+                                      </p:tavLst>
+                                    </p:anim>
+                                    <p:set>
+                                      <p:cBhvr>
+                                        <p:cTn id="23" dur="1" fill="hold">
+                                          <p:stCondLst>
+                                            <p:cond delay="999"/>
+                                          </p:stCondLst>
+                                        </p:cTn>
+                                        <p:tgtEl>
+                                          <p:spTgt spid="1027"/>
+                                        </p:tgtEl>
+                                        <p:attrNameLst>
+                                          <p:attrName>style.visibility</p:attrName>
+                                        </p:attrNameLst>
+                                      </p:cBhvr>
+                                      <p:to>
+                                        <p:strVal val="hidden"/>
+                                      </p:to>
+                                    </p:set>
+                                  </p:childTnLst>
+                                </p:cTn>
+                              </p:par>
+                            </p:childTnLst>
+                          </p:cTn>
+                        </p:par>
+                      </p:childTnLst>
+                    </p:cTn>
+                  </p:par>
+                  <p:par>
+                    <p:cTn id="24" fill="hold">
+                      <p:stCondLst>
+                        <p:cond delay="indefinite"/>
+                      </p:stCondLst>
+                      <p:childTnLst>
+                        <p:par>
+                          <p:cTn id="25" fill="hold">
+                            <p:stCondLst>
+                              <p:cond delay="0"/>
+                            </p:stCondLst>
+                            <p:childTnLst>
+                              <p:par>
+                                <p:cTn id="26" presetID="42" presetClass="entr" presetSubtype="0" fill="hold" nodeType="clickEffect">
+                                  <p:stCondLst>
+                                    <p:cond delay="0"/>
+                                  </p:stCondLst>
+                                  <p:childTnLst>
+                                    <p:set>
+                                      <p:cBhvr>
+                                        <p:cTn id="27" dur="1" fill="hold">
+                                          <p:stCondLst>
+                                            <p:cond delay="0"/>
+                                          </p:stCondLst>
+                                        </p:cTn>
+                                        <p:tgtEl>
+                                          <p:spTgt spid="1028"/>
+                                        </p:tgtEl>
+                                        <p:attrNameLst>
+                                          <p:attrName>style.visibility</p:attrName>
+                                        </p:attrNameLst>
+                                      </p:cBhvr>
+                                      <p:to>
+                                        <p:strVal val="visible"/>
+                                      </p:to>
+                                    </p:set>
+                                    <p:animEffect transition="in" filter="fade">
+                                      <p:cBhvr>
+                                        <p:cTn id="28" dur="1000"/>
+                                        <p:tgtEl>
+                                          <p:spTgt spid="1028"/>
+                                        </p:tgtEl>
+                                      </p:cBhvr>
+                                    </p:animEffect>
+                                    <p:anim calcmode="lin" valueType="num">
+                                      <p:cBhvr>
+                                        <p:cTn id="29" dur="1000" fill="hold"/>
+                                        <p:tgtEl>
+                                          <p:spTgt spid="1028"/>
+                                        </p:tgtEl>
+                                        <p:attrNameLst>
+                                          <p:attrName>ppt_x</p:attrName>
+                                        </p:attrNameLst>
+                                      </p:cBhvr>
+                                      <p:tavLst>
+                                        <p:tav tm="0">
+                                          <p:val>
+                                            <p:strVal val="#ppt_x"/>
+                                          </p:val>
+                                        </p:tav>
+                                        <p:tav tm="100000">
+                                          <p:val>
+                                            <p:strVal val="#ppt_x"/>
+                                          </p:val>
+                                        </p:tav>
+                                      </p:tavLst>
+                                    </p:anim>
+                                    <p:anim calcmode="lin" valueType="num">
+                                      <p:cBhvr>
+                                        <p:cTn id="30" dur="1000" fill="hold"/>
+                                        <p:tgtEl>
+                                          <p:spTgt spid="1028"/>
+                                        </p:tgtEl>
+                                        <p:attrNameLst>
+                                          <p:attrName>ppt_y</p:attrName>
+                                        </p:attrNameLst>
+                                      </p:cBhvr>
+                                      <p:tavLst>
+                                        <p:tav tm="0">
+                                          <p:val>
+                                            <p:strVal val="#ppt_y+.1"/>
+                                          </p:val>
+                                        </p:tav>
+                                        <p:tav tm="100000">
+                                          <p:val>
+                                            <p:strVal val="#ppt_y"/>
+                                          </p:val>
+                                        </p:tav>
+                                      </p:tavLst>
+                                    </p:anim>
+                                  </p:childTnLst>
+                                </p:cTn>
+                              </p:par>
+                            </p:childTnLst>
+                          </p:cTn>
+                        </p:par>
+                      </p:childTnLst>
+                    </p:cTn>
+                  </p:par>
+                </p:childTnLst>
+              </p:cTn>
+              <p:prevCondLst>
+                <p:cond evt="onPrev" delay="0">
+                  <p:tgtEl>
+                    <p:sldTgt/>
+                  </p:tgtEl>
+                </p:cond>
+              </p:prevCondLst>
+              <p:nextCondLst>
+                <p:cond evt="onNext" delay="0">
+                  <p:tgtEl>
+                    <p:sldTgt/>
+                  </p:tgtEl>
+                </p:cond>
+              </p:nextCondLst>
+            </p:seq>
+          </p:childTnLst>
+        </p:cTn>
+      </p:par>
+    </p:tnLst>
+  </p:timing>
+</p:sld>
+</file>
+
+<file path=ppt/slides/slide28.xml><?xml version="1.0" encoding="utf-8"?>
+<p:sld xmlns:a="http://schemas.openxmlformats.org/drawingml/2006/main" xmlns:r="http://schemas.openxmlformats.org/officeDocument/2006/relationships" xmlns:p="http://schemas.openxmlformats.org/presentationml/2006/main">
+  <p:cSld>
+    <p:spTree>
+      <p:nvGrpSpPr>
+        <p:cNvPr id="1" name=""/>
+        <p:cNvGrpSpPr/>
+        <p:nvPr/>
+      </p:nvGrpSpPr>
+      <p:grpSpPr>
+        <a:xfrm>
+          <a:off x="0" y="0"/>
+          <a:ext cx="0" cy="0"/>
+          <a:chOff x="0" y="0"/>
+          <a:chExt cx="0" cy="0"/>
+        </a:xfrm>
+      </p:grpSpPr>
+      <p:sp>
+        <p:nvSpPr>
+          <p:cNvPr id="2" name="Titre 1"/>
+          <p:cNvSpPr>
+            <a:spLocks noGrp="1"/>
+          </p:cNvSpPr>
+          <p:nvPr>
+            <p:ph type="title"/>
+          </p:nvPr>
+        </p:nvSpPr>
+        <p:spPr/>
+        <p:txBody>
+          <a:bodyPr/>
+          <a:lstStyle/>
+          <a:p>
+            <a:r>
+              <a:rPr lang="fr-FR" dirty="0" smtClean="0"/>
               <a:t>VII – Tests</a:t>
             </a:r>
             <a:endParaRPr lang="fr-FR" dirty="0"/>
@@ -11688,7 +12757,7 @@
           <a:p>
             <a:fld id="{CF4668DC-857F-487D-BFFA-8C0CA5037977}" type="slidenum">
               <a:rPr lang="fr-BE" smtClean="0"/>
-              <a:t>26</a:t>
+              <a:t>28</a:t>
             </a:fld>
             <a:endParaRPr lang="fr-BE"/>
           </a:p>
@@ -11714,7 +12783,7 @@
 </p:sld>
 </file>
 
-<file path=ppt/slides/slide27.xml><?xml version="1.0" encoding="utf-8"?>
+<file path=ppt/slides/slide29.xml><?xml version="1.0" encoding="utf-8"?>
 <p:sld xmlns:a="http://schemas.openxmlformats.org/drawingml/2006/main" xmlns:r="http://schemas.openxmlformats.org/officeDocument/2006/relationships" xmlns:p="http://schemas.openxmlformats.org/presentationml/2006/main">
   <p:cSld>
     <p:spTree>
@@ -11904,7 +12973,7 @@
           <a:p>
             <a:fld id="{CF4668DC-857F-487D-BFFA-8C0CA5037977}" type="slidenum">
               <a:rPr lang="fr-BE" smtClean="0"/>
-              <a:t>27</a:t>
+              <a:t>29</a:t>
             </a:fld>
             <a:endParaRPr lang="fr-BE"/>
           </a:p>
@@ -11930,7 +12999,240 @@
 </p:sld>
 </file>
 
-<file path=ppt/slides/slide28.xml><?xml version="1.0" encoding="utf-8"?>
+<file path=ppt/slides/slide3.xml><?xml version="1.0" encoding="utf-8"?>
+<p:sld xmlns:a="http://schemas.openxmlformats.org/drawingml/2006/main" xmlns:r="http://schemas.openxmlformats.org/officeDocument/2006/relationships" xmlns:p="http://schemas.openxmlformats.org/presentationml/2006/main">
+  <p:cSld>
+    <p:spTree>
+      <p:nvGrpSpPr>
+        <p:cNvPr id="1" name=""/>
+        <p:cNvGrpSpPr/>
+        <p:nvPr/>
+      </p:nvGrpSpPr>
+      <p:grpSpPr>
+        <a:xfrm>
+          <a:off x="0" y="0"/>
+          <a:ext cx="0" cy="0"/>
+          <a:chOff x="0" y="0"/>
+          <a:chExt cx="0" cy="0"/>
+        </a:xfrm>
+      </p:grpSpPr>
+      <p:pic>
+        <p:nvPicPr>
+          <p:cNvPr id="1026" name="Picture 2" descr="http://www.google.fr/url?source=imglanding&amp;ct=img&amp;q=http://www.veritasprep.com/blog/wp-content/uploads/2015/03/team.jpg&amp;sa=X&amp;ei=O6mCVci0KYLfUaWRg6AG&amp;ved=0CAkQ8wc&amp;usg=AFQjCNHu27nb8s1tfHpRcHvguNmcCLYGgQ"/>
+          <p:cNvPicPr>
+            <a:picLocks noChangeAspect="1" noChangeArrowheads="1"/>
+          </p:cNvPicPr>
+          <p:nvPr/>
+        </p:nvPicPr>
+        <p:blipFill>
+          <a:blip r:embed="rId2" cstate="print">
+            <a:extLst>
+              <a:ext uri="{28A0092B-C50C-407E-A947-70E740481C1C}">
+                <a14:useLocalDpi xmlns:a14="http://schemas.microsoft.com/office/drawing/2010/main" val="0"/>
+              </a:ext>
+            </a:extLst>
+          </a:blip>
+          <a:srcRect/>
+          <a:stretch>
+            <a:fillRect/>
+          </a:stretch>
+        </p:blipFill>
+        <p:spPr bwMode="auto">
+          <a:xfrm>
+            <a:off x="3563888" y="475399"/>
+            <a:ext cx="4392488" cy="4392488"/>
+          </a:xfrm>
+          <a:prstGeom prst="rect">
+            <a:avLst/>
+          </a:prstGeom>
+          <a:noFill/>
+          <a:extLst>
+            <a:ext uri="{909E8E84-426E-40DD-AFC4-6F175D3DCCD1}">
+              <a14:hiddenFill xmlns:a14="http://schemas.microsoft.com/office/drawing/2010/main">
+                <a:solidFill>
+                  <a:srgbClr val="FFFFFF"/>
+                </a:solidFill>
+              </a14:hiddenFill>
+            </a:ext>
+          </a:extLst>
+        </p:spPr>
+      </p:pic>
+      <p:sp>
+        <p:nvSpPr>
+          <p:cNvPr id="2" name="Titre 1"/>
+          <p:cNvSpPr>
+            <a:spLocks noGrp="1"/>
+          </p:cNvSpPr>
+          <p:nvPr>
+            <p:ph type="title"/>
+          </p:nvPr>
+        </p:nvSpPr>
+        <p:spPr>
+          <a:noFill/>
+        </p:spPr>
+        <p:txBody>
+          <a:bodyPr/>
+          <a:lstStyle/>
+          <a:p>
+            <a:pPr lvl="1" algn="l" rtl="0">
+              <a:spcBef>
+                <a:spcPct val="0"/>
+              </a:spcBef>
+            </a:pPr>
+            <a:r>
+              <a:rPr lang="fr-FR" sz="2800" kern="1200" cap="all" dirty="0">
+                <a:solidFill>
+                  <a:schemeClr val="tx1"/>
+                </a:solidFill>
+                <a:latin typeface="+mj-lt"/>
+                <a:ea typeface="+mj-ea"/>
+                <a:cs typeface="+mj-cs"/>
+              </a:rPr>
+              <a:t>I. Spirit Master Team</a:t>
+            </a:r>
+          </a:p>
+        </p:txBody>
+      </p:sp>
+      <p:sp>
+        <p:nvSpPr>
+          <p:cNvPr id="3" name="Espace réservé du contenu 2"/>
+          <p:cNvSpPr>
+            <a:spLocks noGrp="1"/>
+          </p:cNvSpPr>
+          <p:nvPr>
+            <p:ph idx="1"/>
+          </p:nvPr>
+        </p:nvSpPr>
+        <p:spPr/>
+        <p:txBody>
+          <a:bodyPr/>
+          <a:lstStyle/>
+          <a:p>
+            <a:r>
+              <a:rPr lang="fr-FR" dirty="0" smtClean="0"/>
+              <a:t>Notre équipe :</a:t>
+            </a:r>
+          </a:p>
+          <a:p>
+            <a:pPr lvl="2"/>
+            <a:r>
+              <a:rPr lang="fr-FR" b="0" dirty="0" smtClean="0"/>
+              <a:t>ALLEMAND    Cédric</a:t>
+            </a:r>
+          </a:p>
+          <a:p>
+            <a:pPr lvl="2"/>
+            <a:r>
+              <a:rPr lang="fr-FR" b="0" dirty="0" smtClean="0"/>
+              <a:t>BONICHOT     Quentin</a:t>
+            </a:r>
+          </a:p>
+          <a:p>
+            <a:pPr lvl="2"/>
+            <a:r>
+              <a:rPr lang="fr-FR" b="0" dirty="0" smtClean="0"/>
+              <a:t>LATRECHE     Omar</a:t>
+            </a:r>
+          </a:p>
+          <a:p>
+            <a:pPr lvl="2"/>
+            <a:r>
+              <a:rPr lang="fr-FR" b="0" dirty="0" smtClean="0"/>
+              <a:t>MERRIKA       Taha</a:t>
+            </a:r>
+          </a:p>
+        </p:txBody>
+      </p:sp>
+      <p:sp>
+        <p:nvSpPr>
+          <p:cNvPr id="4" name="Espace réservé de la date 3"/>
+          <p:cNvSpPr>
+            <a:spLocks noGrp="1"/>
+          </p:cNvSpPr>
+          <p:nvPr>
+            <p:ph type="dt" sz="half" idx="10"/>
+          </p:nvPr>
+        </p:nvSpPr>
+        <p:spPr/>
+        <p:txBody>
+          <a:bodyPr/>
+          <a:lstStyle/>
+          <a:p>
+            <a:fld id="{796C394C-CFC6-414B-BCB9-BFCDECE76BAE}" type="datetime1">
+              <a:rPr lang="fr-FR" smtClean="0"/>
+              <a:t>18/06/2015</a:t>
+            </a:fld>
+            <a:endParaRPr lang="fr-BE"/>
+          </a:p>
+        </p:txBody>
+      </p:sp>
+      <p:sp>
+        <p:nvSpPr>
+          <p:cNvPr id="5" name="Espace réservé du pied de page 4"/>
+          <p:cNvSpPr>
+            <a:spLocks noGrp="1"/>
+          </p:cNvSpPr>
+          <p:nvPr>
+            <p:ph type="ftr" sz="quarter" idx="11"/>
+          </p:nvPr>
+        </p:nvSpPr>
+        <p:spPr/>
+        <p:txBody>
+          <a:bodyPr/>
+          <a:lstStyle/>
+          <a:p>
+            <a:r>
+              <a:rPr lang="fr-FR" smtClean="0"/>
+              <a:t>Apprenti Ingénieur informatique - UTBM -CFAI</a:t>
+            </a:r>
+            <a:endParaRPr lang="fr-BE"/>
+          </a:p>
+        </p:txBody>
+      </p:sp>
+      <p:sp>
+        <p:nvSpPr>
+          <p:cNvPr id="6" name="Espace réservé du numéro de diapositive 5"/>
+          <p:cNvSpPr>
+            <a:spLocks noGrp="1"/>
+          </p:cNvSpPr>
+          <p:nvPr>
+            <p:ph type="sldNum" sz="quarter" idx="12"/>
+          </p:nvPr>
+        </p:nvSpPr>
+        <p:spPr/>
+        <p:txBody>
+          <a:bodyPr/>
+          <a:lstStyle/>
+          <a:p>
+            <a:fld id="{CF4668DC-857F-487D-BFFA-8C0CA5037977}" type="slidenum">
+              <a:rPr lang="fr-BE" smtClean="0"/>
+              <a:t>3</a:t>
+            </a:fld>
+            <a:endParaRPr lang="fr-BE"/>
+          </a:p>
+        </p:txBody>
+      </p:sp>
+    </p:spTree>
+    <p:extLst>
+      <p:ext uri="{BB962C8B-B14F-4D97-AF65-F5344CB8AC3E}">
+        <p14:creationId xmlns:p14="http://schemas.microsoft.com/office/powerpoint/2010/main" val="347475455"/>
+      </p:ext>
+    </p:extLst>
+  </p:cSld>
+  <p:clrMapOvr>
+    <a:masterClrMapping/>
+  </p:clrMapOvr>
+  <p:timing>
+    <p:tnLst>
+      <p:par>
+        <p:cTn id="1" dur="indefinite" restart="never" nodeType="tmRoot"/>
+      </p:par>
+    </p:tnLst>
+  </p:timing>
+</p:sld>
+</file>
+
+<file path=ppt/slides/slide30.xml><?xml version="1.0" encoding="utf-8"?>
 <p:sld xmlns:a="http://schemas.openxmlformats.org/drawingml/2006/main" xmlns:r="http://schemas.openxmlformats.org/officeDocument/2006/relationships" xmlns:p="http://schemas.openxmlformats.org/presentationml/2006/main">
   <p:cSld>
     <p:spTree>
@@ -12120,7 +13422,7 @@
           <a:p>
             <a:fld id="{CF4668DC-857F-487D-BFFA-8C0CA5037977}" type="slidenum">
               <a:rPr lang="fr-BE" smtClean="0"/>
-              <a:t>28</a:t>
+              <a:t>30</a:t>
             </a:fld>
             <a:endParaRPr lang="fr-BE"/>
           </a:p>
@@ -12214,7 +13516,7 @@
 </p:sld>
 </file>
 
-<file path=ppt/slides/slide29.xml><?xml version="1.0" encoding="utf-8"?>
+<file path=ppt/slides/slide31.xml><?xml version="1.0" encoding="utf-8"?>
 <p:sld xmlns:a="http://schemas.openxmlformats.org/drawingml/2006/main" xmlns:r="http://schemas.openxmlformats.org/officeDocument/2006/relationships" xmlns:p="http://schemas.openxmlformats.org/presentationml/2006/main">
   <p:cSld>
     <p:spTree>
@@ -12404,7 +13706,7 @@
           <a:p>
             <a:fld id="{CF4668DC-857F-487D-BFFA-8C0CA5037977}" type="slidenum">
               <a:rPr lang="fr-BE" smtClean="0"/>
-              <a:t>29</a:t>
+              <a:t>31</a:t>
             </a:fld>
             <a:endParaRPr lang="fr-BE"/>
           </a:p>
@@ -12506,7 +13808,7 @@
 </p:sld>
 </file>
 
-<file path=ppt/slides/slide3.xml><?xml version="1.0" encoding="utf-8"?>
+<file path=ppt/slides/slide32.xml><?xml version="1.0" encoding="utf-8"?>
 <p:sld xmlns:a="http://schemas.openxmlformats.org/drawingml/2006/main" xmlns:r="http://schemas.openxmlformats.org/officeDocument/2006/relationships" xmlns:p="http://schemas.openxmlformats.org/presentationml/2006/main">
   <p:cSld>
     <p:spTree>
@@ -12523,239 +13825,6 @@
           <a:chExt cx="0" cy="0"/>
         </a:xfrm>
       </p:grpSpPr>
-      <p:pic>
-        <p:nvPicPr>
-          <p:cNvPr id="1026" name="Picture 2" descr="http://www.google.fr/url?source=imglanding&amp;ct=img&amp;q=http://www.veritasprep.com/blog/wp-content/uploads/2015/03/team.jpg&amp;sa=X&amp;ei=O6mCVci0KYLfUaWRg6AG&amp;ved=0CAkQ8wc&amp;usg=AFQjCNHu27nb8s1tfHpRcHvguNmcCLYGgQ"/>
-          <p:cNvPicPr>
-            <a:picLocks noChangeAspect="1" noChangeArrowheads="1"/>
-          </p:cNvPicPr>
-          <p:nvPr/>
-        </p:nvPicPr>
-        <p:blipFill>
-          <a:blip r:embed="rId2" cstate="print">
-            <a:extLst>
-              <a:ext uri="{28A0092B-C50C-407E-A947-70E740481C1C}">
-                <a14:useLocalDpi xmlns:a14="http://schemas.microsoft.com/office/drawing/2010/main" val="0"/>
-              </a:ext>
-            </a:extLst>
-          </a:blip>
-          <a:srcRect/>
-          <a:stretch>
-            <a:fillRect/>
-          </a:stretch>
-        </p:blipFill>
-        <p:spPr bwMode="auto">
-          <a:xfrm>
-            <a:off x="3563888" y="475399"/>
-            <a:ext cx="4392488" cy="4392488"/>
-          </a:xfrm>
-          <a:prstGeom prst="rect">
-            <a:avLst/>
-          </a:prstGeom>
-          <a:noFill/>
-          <a:extLst>
-            <a:ext uri="{909E8E84-426E-40DD-AFC4-6F175D3DCCD1}">
-              <a14:hiddenFill xmlns:a14="http://schemas.microsoft.com/office/drawing/2010/main">
-                <a:solidFill>
-                  <a:srgbClr val="FFFFFF"/>
-                </a:solidFill>
-              </a14:hiddenFill>
-            </a:ext>
-          </a:extLst>
-        </p:spPr>
-      </p:pic>
-      <p:sp>
-        <p:nvSpPr>
-          <p:cNvPr id="2" name="Titre 1"/>
-          <p:cNvSpPr>
-            <a:spLocks noGrp="1"/>
-          </p:cNvSpPr>
-          <p:nvPr>
-            <p:ph type="title"/>
-          </p:nvPr>
-        </p:nvSpPr>
-        <p:spPr>
-          <a:noFill/>
-        </p:spPr>
-        <p:txBody>
-          <a:bodyPr/>
-          <a:lstStyle/>
-          <a:p>
-            <a:pPr lvl="1" algn="l" rtl="0">
-              <a:spcBef>
-                <a:spcPct val="0"/>
-              </a:spcBef>
-            </a:pPr>
-            <a:r>
-              <a:rPr lang="fr-FR" sz="2800" kern="1200" cap="all" dirty="0">
-                <a:solidFill>
-                  <a:schemeClr val="tx1"/>
-                </a:solidFill>
-                <a:latin typeface="+mj-lt"/>
-                <a:ea typeface="+mj-ea"/>
-                <a:cs typeface="+mj-cs"/>
-              </a:rPr>
-              <a:t>I. Spirit Master Team</a:t>
-            </a:r>
-          </a:p>
-        </p:txBody>
-      </p:sp>
-      <p:sp>
-        <p:nvSpPr>
-          <p:cNvPr id="3" name="Espace réservé du contenu 2"/>
-          <p:cNvSpPr>
-            <a:spLocks noGrp="1"/>
-          </p:cNvSpPr>
-          <p:nvPr>
-            <p:ph idx="1"/>
-          </p:nvPr>
-        </p:nvSpPr>
-        <p:spPr/>
-        <p:txBody>
-          <a:bodyPr/>
-          <a:lstStyle/>
-          <a:p>
-            <a:r>
-              <a:rPr lang="fr-FR" dirty="0" smtClean="0"/>
-              <a:t>Notre équipe :</a:t>
-            </a:r>
-          </a:p>
-          <a:p>
-            <a:pPr lvl="2"/>
-            <a:r>
-              <a:rPr lang="fr-FR" b="0" dirty="0" smtClean="0"/>
-              <a:t>ALLEMAND    Cédric</a:t>
-            </a:r>
-          </a:p>
-          <a:p>
-            <a:pPr lvl="2"/>
-            <a:r>
-              <a:rPr lang="fr-FR" b="0" dirty="0" smtClean="0"/>
-              <a:t>BONICHOT     Quentin</a:t>
-            </a:r>
-          </a:p>
-          <a:p>
-            <a:pPr lvl="2"/>
-            <a:r>
-              <a:rPr lang="fr-FR" b="0" dirty="0" smtClean="0"/>
-              <a:t>LATRECHE     Omar</a:t>
-            </a:r>
-          </a:p>
-          <a:p>
-            <a:pPr lvl="2"/>
-            <a:r>
-              <a:rPr lang="fr-FR" b="0" dirty="0" smtClean="0"/>
-              <a:t>MERRIKA       Taha</a:t>
-            </a:r>
-          </a:p>
-        </p:txBody>
-      </p:sp>
-      <p:sp>
-        <p:nvSpPr>
-          <p:cNvPr id="4" name="Espace réservé de la date 3"/>
-          <p:cNvSpPr>
-            <a:spLocks noGrp="1"/>
-          </p:cNvSpPr>
-          <p:nvPr>
-            <p:ph type="dt" sz="half" idx="10"/>
-          </p:nvPr>
-        </p:nvSpPr>
-        <p:spPr/>
-        <p:txBody>
-          <a:bodyPr/>
-          <a:lstStyle/>
-          <a:p>
-            <a:fld id="{796C394C-CFC6-414B-BCB9-BFCDECE76BAE}" type="datetime1">
-              <a:rPr lang="fr-FR" smtClean="0"/>
-              <a:t>18/06/2015</a:t>
-            </a:fld>
-            <a:endParaRPr lang="fr-BE"/>
-          </a:p>
-        </p:txBody>
-      </p:sp>
-      <p:sp>
-        <p:nvSpPr>
-          <p:cNvPr id="5" name="Espace réservé du pied de page 4"/>
-          <p:cNvSpPr>
-            <a:spLocks noGrp="1"/>
-          </p:cNvSpPr>
-          <p:nvPr>
-            <p:ph type="ftr" sz="quarter" idx="11"/>
-          </p:nvPr>
-        </p:nvSpPr>
-        <p:spPr/>
-        <p:txBody>
-          <a:bodyPr/>
-          <a:lstStyle/>
-          <a:p>
-            <a:r>
-              <a:rPr lang="fr-FR" smtClean="0"/>
-              <a:t>Apprenti Ingénieur informatique - UTBM -CFAI</a:t>
-            </a:r>
-            <a:endParaRPr lang="fr-BE"/>
-          </a:p>
-        </p:txBody>
-      </p:sp>
-      <p:sp>
-        <p:nvSpPr>
-          <p:cNvPr id="6" name="Espace réservé du numéro de diapositive 5"/>
-          <p:cNvSpPr>
-            <a:spLocks noGrp="1"/>
-          </p:cNvSpPr>
-          <p:nvPr>
-            <p:ph type="sldNum" sz="quarter" idx="12"/>
-          </p:nvPr>
-        </p:nvSpPr>
-        <p:spPr/>
-        <p:txBody>
-          <a:bodyPr/>
-          <a:lstStyle/>
-          <a:p>
-            <a:fld id="{CF4668DC-857F-487D-BFFA-8C0CA5037977}" type="slidenum">
-              <a:rPr lang="fr-BE" smtClean="0"/>
-              <a:t>3</a:t>
-            </a:fld>
-            <a:endParaRPr lang="fr-BE"/>
-          </a:p>
-        </p:txBody>
-      </p:sp>
-    </p:spTree>
-    <p:extLst>
-      <p:ext uri="{BB962C8B-B14F-4D97-AF65-F5344CB8AC3E}">
-        <p14:creationId xmlns:p14="http://schemas.microsoft.com/office/powerpoint/2010/main" val="347475455"/>
-      </p:ext>
-    </p:extLst>
-  </p:cSld>
-  <p:clrMapOvr>
-    <a:masterClrMapping/>
-  </p:clrMapOvr>
-  <p:timing>
-    <p:tnLst>
-      <p:par>
-        <p:cTn id="1" dur="indefinite" restart="never" nodeType="tmRoot"/>
-      </p:par>
-    </p:tnLst>
-  </p:timing>
-</p:sld>
-</file>
-
-<file path=ppt/slides/slide30.xml><?xml version="1.0" encoding="utf-8"?>
-<p:sld xmlns:a="http://schemas.openxmlformats.org/drawingml/2006/main" xmlns:r="http://schemas.openxmlformats.org/officeDocument/2006/relationships" xmlns:p="http://schemas.openxmlformats.org/presentationml/2006/main">
-  <p:cSld>
-    <p:spTree>
-      <p:nvGrpSpPr>
-        <p:cNvPr id="1" name=""/>
-        <p:cNvGrpSpPr/>
-        <p:nvPr/>
-      </p:nvGrpSpPr>
-      <p:grpSpPr>
-        <a:xfrm>
-          <a:off x="0" y="0"/>
-          <a:ext cx="0" cy="0"/>
-          <a:chOff x="0" y="0"/>
-          <a:chExt cx="0" cy="0"/>
-        </a:xfrm>
-      </p:grpSpPr>
       <p:sp>
         <p:nvSpPr>
           <p:cNvPr id="2" name="Titre 1"/>
@@ -12867,7 +13936,7 @@
           <a:p>
             <a:fld id="{CF4668DC-857F-487D-BFFA-8C0CA5037977}" type="slidenum">
               <a:rPr lang="fr-BE" smtClean="0"/>
-              <a:t>30</a:t>
+              <a:t>32</a:t>
             </a:fld>
             <a:endParaRPr lang="fr-BE"/>
           </a:p>
@@ -12945,14 +14014,6 @@
               </a:rPr>
               <a:t>II. Modelisator</a:t>
             </a:r>
-            <a:endParaRPr lang="fr-FR" sz="2800" kern="1200" cap="all" dirty="0">
-              <a:solidFill>
-                <a:schemeClr val="tx1"/>
-              </a:solidFill>
-              <a:latin typeface="+mj-lt"/>
-              <a:ea typeface="+mj-ea"/>
-              <a:cs typeface="+mj-cs"/>
-            </a:endParaRPr>
           </a:p>
         </p:txBody>
       </p:sp>
@@ -15677,18 +16738,7 @@
                 <a:ea typeface="+mj-ea"/>
                 <a:cs typeface="+mj-cs"/>
               </a:rPr>
-              <a:t>IV. </a:t>
-            </a:r>
-            <a:r>
-              <a:rPr lang="fr-FR" sz="2800" kern="1200" cap="all" dirty="0" smtClean="0">
-                <a:solidFill>
-                  <a:schemeClr val="tx1"/>
-                </a:solidFill>
-                <a:latin typeface="+mj-lt"/>
-                <a:ea typeface="+mj-ea"/>
-                <a:cs typeface="+mj-cs"/>
-              </a:rPr>
-              <a:t>Systèmes</a:t>
+              <a:t>IV. Systèmes</a:t>
             </a:r>
             <a:r>
               <a:rPr lang="fr-FR" dirty="0" smtClean="0"/>

--- a/trunk/modelisator/Gestion de projet/2015_06_18 [Modelisator] Step 6/2015_06_18  [Modelisator] Presentation_Final.pptx
+++ b/trunk/modelisator/Gestion de projet/2015_06_18 [Modelisator] Step 6/2015_06_18  [Modelisator] Presentation_Final.pptx
@@ -5,7 +5,7 @@
     <p:sldMasterId id="2147483660" r:id="rId1"/>
   </p:sldMasterIdLst>
   <p:notesMasterIdLst>
-    <p:notesMasterId r:id="rId34"/>
+    <p:notesMasterId r:id="rId35"/>
   </p:notesMasterIdLst>
   <p:sldIdLst>
     <p:sldId id="256" r:id="rId2"/>
@@ -40,6 +40,7 @@
     <p:sldId id="264" r:id="rId31"/>
     <p:sldId id="265" r:id="rId32"/>
     <p:sldId id="280" r:id="rId33"/>
+    <p:sldId id="290" r:id="rId34"/>
   </p:sldIdLst>
   <p:sldSz cx="9144000" cy="6858000" type="screen4x3"/>
   <p:notesSz cx="6858000" cy="9144000"/>
@@ -13959,6 +13960,169 @@
       </p:par>
     </p:tnLst>
   </p:timing>
+</p:sld>
+</file>
+
+<file path=ppt/slides/slide33.xml><?xml version="1.0" encoding="utf-8"?>
+<p:sld xmlns:a="http://schemas.openxmlformats.org/drawingml/2006/main" xmlns:r="http://schemas.openxmlformats.org/officeDocument/2006/relationships" xmlns:p="http://schemas.openxmlformats.org/presentationml/2006/main">
+  <p:cSld>
+    <p:spTree>
+      <p:nvGrpSpPr>
+        <p:cNvPr id="1" name=""/>
+        <p:cNvGrpSpPr/>
+        <p:nvPr/>
+      </p:nvGrpSpPr>
+      <p:grpSpPr>
+        <a:xfrm>
+          <a:off x="0" y="0"/>
+          <a:ext cx="0" cy="0"/>
+          <a:chOff x="0" y="0"/>
+          <a:chExt cx="0" cy="0"/>
+        </a:xfrm>
+      </p:grpSpPr>
+      <p:sp>
+        <p:nvSpPr>
+          <p:cNvPr id="4" name="Espace réservé de la date 3"/>
+          <p:cNvSpPr>
+            <a:spLocks noGrp="1"/>
+          </p:cNvSpPr>
+          <p:nvPr>
+            <p:ph type="dt" sz="half" idx="10"/>
+          </p:nvPr>
+        </p:nvSpPr>
+        <p:spPr/>
+        <p:txBody>
+          <a:bodyPr/>
+          <a:lstStyle/>
+          <a:p>
+            <a:fld id="{6B96E1E1-4559-49B9-BB75-F99EC1FF316E}" type="datetime1">
+              <a:rPr lang="fr-FR" smtClean="0"/>
+              <a:t>18/06/2015</a:t>
+            </a:fld>
+            <a:endParaRPr lang="fr-BE"/>
+          </a:p>
+        </p:txBody>
+      </p:sp>
+      <p:sp>
+        <p:nvSpPr>
+          <p:cNvPr id="5" name="Espace réservé du pied de page 4"/>
+          <p:cNvSpPr>
+            <a:spLocks noGrp="1"/>
+          </p:cNvSpPr>
+          <p:nvPr>
+            <p:ph type="ftr" sz="quarter" idx="11"/>
+          </p:nvPr>
+        </p:nvSpPr>
+        <p:spPr/>
+        <p:txBody>
+          <a:bodyPr/>
+          <a:lstStyle/>
+          <a:p>
+            <a:r>
+              <a:rPr lang="fr-FR" smtClean="0"/>
+              <a:t>Apprenti Ingénieur informatique - UTBM -CFAI</a:t>
+            </a:r>
+            <a:endParaRPr lang="fr-BE"/>
+          </a:p>
+        </p:txBody>
+      </p:sp>
+      <p:sp>
+        <p:nvSpPr>
+          <p:cNvPr id="6" name="Espace réservé du numéro de diapositive 5"/>
+          <p:cNvSpPr>
+            <a:spLocks noGrp="1"/>
+          </p:cNvSpPr>
+          <p:nvPr>
+            <p:ph type="sldNum" sz="quarter" idx="12"/>
+          </p:nvPr>
+        </p:nvSpPr>
+        <p:spPr/>
+        <p:txBody>
+          <a:bodyPr/>
+          <a:lstStyle/>
+          <a:p>
+            <a:fld id="{CF4668DC-857F-487D-BFFA-8C0CA5037977}" type="slidenum">
+              <a:rPr lang="fr-BE" smtClean="0"/>
+              <a:t>33</a:t>
+            </a:fld>
+            <a:endParaRPr lang="fr-BE"/>
+          </a:p>
+        </p:txBody>
+      </p:sp>
+      <p:pic>
+        <p:nvPicPr>
+          <p:cNvPr id="1026" name="Picture 2"/>
+          <p:cNvPicPr>
+            <a:picLocks noChangeAspect="1" noChangeArrowheads="1"/>
+          </p:cNvPicPr>
+          <p:nvPr/>
+        </p:nvPicPr>
+        <p:blipFill>
+          <a:blip r:embed="rId2">
+            <a:extLst>
+              <a:ext uri="{28A0092B-C50C-407E-A947-70E740481C1C}">
+                <a14:useLocalDpi xmlns:a14="http://schemas.microsoft.com/office/drawing/2010/main" val="0"/>
+              </a:ext>
+            </a:extLst>
+          </a:blip>
+          <a:srcRect/>
+          <a:stretch>
+            <a:fillRect/>
+          </a:stretch>
+        </p:blipFill>
+        <p:spPr bwMode="auto">
+          <a:xfrm>
+            <a:off x="205025" y="32792"/>
+            <a:ext cx="8784976" cy="5845542"/>
+          </a:xfrm>
+          <a:prstGeom prst="rect">
+            <a:avLst/>
+          </a:prstGeom>
+          <a:noFill/>
+          <a:ln>
+            <a:noFill/>
+          </a:ln>
+          <a:effectLst/>
+          <a:extLst>
+            <a:ext uri="{909E8E84-426E-40DD-AFC4-6F175D3DCCD1}">
+              <a14:hiddenFill xmlns:a14="http://schemas.microsoft.com/office/drawing/2010/main">
+                <a:solidFill>
+                  <a:schemeClr val="accent1"/>
+                </a:solidFill>
+              </a14:hiddenFill>
+            </a:ext>
+            <a:ext uri="{91240B29-F687-4F45-9708-019B960494DF}">
+              <a14:hiddenLine xmlns:a14="http://schemas.microsoft.com/office/drawing/2010/main" w="9525">
+                <a:solidFill>
+                  <a:schemeClr val="tx1"/>
+                </a:solidFill>
+                <a:miter lim="800000"/>
+                <a:headEnd/>
+                <a:tailEnd/>
+              </a14:hiddenLine>
+            </a:ext>
+            <a:ext uri="{AF507438-7753-43E0-B8FC-AC1667EBCBE1}">
+              <a14:hiddenEffects xmlns:a14="http://schemas.microsoft.com/office/drawing/2010/main">
+                <a:effectLst>
+                  <a:outerShdw dist="35921" dir="2700000" algn="ctr" rotWithShape="0">
+                    <a:schemeClr val="bg2"/>
+                  </a:outerShdw>
+                </a:effectLst>
+              </a14:hiddenEffects>
+            </a:ext>
+          </a:extLst>
+        </p:spPr>
+      </p:pic>
+    </p:spTree>
+    <p:extLst>
+      <p:ext uri="{BB962C8B-B14F-4D97-AF65-F5344CB8AC3E}">
+        <p14:creationId xmlns:p14="http://schemas.microsoft.com/office/powerpoint/2010/main" val="3957437885"/>
+      </p:ext>
+    </p:extLst>
+  </p:cSld>
+  <p:clrMapOvr>
+    <a:masterClrMapping/>
+  </p:clrMapOvr>
 </p:sld>
 </file>
 

--- a/trunk/modelisator/Gestion de projet/2015_06_18 [Modelisator] Step 6/2015_06_18  [Modelisator] Presentation_Final.pptx
+++ b/trunk/modelisator/Gestion de projet/2015_06_18 [Modelisator] Step 6/2015_06_18  [Modelisator] Presentation_Final.pptx
@@ -9932,9 +9932,9 @@
             <a:endParaRPr lang="fr-FR" b="0" dirty="0" smtClean="0"/>
           </a:p>
           <a:p>
-            <a:pPr marL="571500" lvl="2" indent="-342900" fontAlgn="base">
+            <a:pPr marL="742950" lvl="2" indent="-514350" fontAlgn="base">
               <a:buFont typeface="+mj-lt"/>
-              <a:buAutoNum type="arabicPeriod"/>
+              <a:buAutoNum type="romanUcPeriod"/>
             </a:pPr>
             <a:r>
               <a:rPr lang="fr-FR" sz="2000" b="0" dirty="0" smtClean="0"/>
@@ -9942,9 +9942,9 @@
             </a:r>
           </a:p>
           <a:p>
-            <a:pPr marL="571500" lvl="2" indent="-342900" fontAlgn="base">
+            <a:pPr marL="742950" lvl="2" indent="-514350" fontAlgn="base">
               <a:buFont typeface="+mj-lt"/>
-              <a:buAutoNum type="arabicPeriod"/>
+              <a:buAutoNum type="romanUcPeriod"/>
             </a:pPr>
             <a:r>
               <a:rPr lang="fr-FR" sz="2000" dirty="0"/>
@@ -9956,9 +9956,9 @@
             </a:r>
           </a:p>
           <a:p>
-            <a:pPr marL="571500" lvl="2" indent="-342900" fontAlgn="base">
+            <a:pPr marL="742950" lvl="2" indent="-514350" fontAlgn="base">
               <a:buFont typeface="+mj-lt"/>
-              <a:buAutoNum type="arabicPeriod"/>
+              <a:buAutoNum type="romanUcPeriod"/>
             </a:pPr>
             <a:r>
               <a:rPr lang="fr-FR" sz="2000" dirty="0" smtClean="0"/>
@@ -9966,9 +9966,9 @@
             </a:r>
           </a:p>
           <a:p>
-            <a:pPr marL="571500" lvl="2" indent="-342900" fontAlgn="base">
+            <a:pPr marL="742950" lvl="2" indent="-514350" fontAlgn="base">
               <a:buFont typeface="+mj-lt"/>
-              <a:buAutoNum type="arabicPeriod"/>
+              <a:buAutoNum type="romanUcPeriod"/>
             </a:pPr>
             <a:r>
               <a:rPr lang="fr-FR" sz="2000" dirty="0"/>
@@ -9980,9 +9980,9 @@
             </a:r>
           </a:p>
           <a:p>
-            <a:pPr marL="571500" lvl="2" indent="-342900" fontAlgn="base">
+            <a:pPr marL="742950" lvl="2" indent="-514350" fontAlgn="base">
               <a:buFont typeface="+mj-lt"/>
-              <a:buAutoNum type="arabicPeriod"/>
+              <a:buAutoNum type="romanUcPeriod"/>
             </a:pPr>
             <a:r>
               <a:rPr lang="fr-FR" sz="2000" b="0" dirty="0" smtClean="0"/>
@@ -9990,9 +9990,9 @@
             </a:r>
           </a:p>
           <a:p>
-            <a:pPr marL="571500" lvl="2" indent="-342900" fontAlgn="base">
+            <a:pPr marL="742950" lvl="2" indent="-514350" fontAlgn="base">
               <a:buFont typeface="+mj-lt"/>
-              <a:buAutoNum type="arabicPeriod"/>
+              <a:buAutoNum type="romanUcPeriod"/>
             </a:pPr>
             <a:r>
               <a:rPr lang="fr-FR" sz="2000" dirty="0" smtClean="0"/>
@@ -10001,9 +10001,9 @@
             <a:endParaRPr lang="fr-FR" sz="2000" b="0" dirty="0" smtClean="0"/>
           </a:p>
           <a:p>
-            <a:pPr marL="571500" lvl="2" indent="-342900" fontAlgn="base">
+            <a:pPr marL="742950" lvl="2" indent="-514350" fontAlgn="base">
               <a:buFont typeface="+mj-lt"/>
-              <a:buAutoNum type="arabicPeriod"/>
+              <a:buAutoNum type="romanUcPeriod"/>
             </a:pPr>
             <a:r>
               <a:rPr lang="fr-FR" sz="2000" dirty="0" smtClean="0"/>
@@ -10011,9 +10011,9 @@
             </a:r>
           </a:p>
           <a:p>
-            <a:pPr marL="571500" lvl="2" indent="-342900" fontAlgn="base">
+            <a:pPr marL="742950" lvl="2" indent="-514350" fontAlgn="base">
               <a:buFont typeface="+mj-lt"/>
-              <a:buAutoNum type="arabicPeriod"/>
+              <a:buAutoNum type="romanUcPeriod"/>
             </a:pPr>
             <a:r>
               <a:rPr lang="fr-FR" sz="2000" b="0" dirty="0" smtClean="0"/>
@@ -10022,9 +10022,9 @@
             <a:endParaRPr lang="fr-FR" sz="2000" b="0" dirty="0"/>
           </a:p>
           <a:p>
-            <a:pPr marL="571500" lvl="2" indent="-342900" fontAlgn="base">
+            <a:pPr marL="742950" lvl="2" indent="-514350" fontAlgn="base">
               <a:buFont typeface="+mj-lt"/>
-              <a:buAutoNum type="arabicPeriod"/>
+              <a:buAutoNum type="romanUcPeriod"/>
             </a:pPr>
             <a:r>
               <a:rPr lang="fr-FR" sz="2000" b="0" dirty="0" smtClean="0"/>
@@ -11709,7 +11709,11 @@
           <a:p>
             <a:r>
               <a:rPr lang="fr-FR" dirty="0" smtClean="0"/>
-              <a:t>VI. DEVELOPPEMENT</a:t>
+              <a:t>VII. </a:t>
+            </a:r>
+            <a:r>
+              <a:rPr lang="fr-FR" dirty="0" smtClean="0"/>
+              <a:t>DEVELOPPEMENT</a:t>
             </a:r>
             <a:endParaRPr lang="fr-FR" dirty="0"/>
           </a:p>
@@ -11879,7 +11883,11 @@
           <a:p>
             <a:r>
               <a:rPr lang="fr-FR" dirty="0" smtClean="0"/>
-              <a:t>VI. DEVELOPPEMENT</a:t>
+              <a:t>VII</a:t>
+            </a:r>
+            <a:r>
+              <a:rPr lang="fr-FR" dirty="0" smtClean="0"/>
+              <a:t>. DEVELOPPEMENT</a:t>
             </a:r>
             <a:endParaRPr lang="fr-FR" dirty="0"/>
           </a:p>
@@ -11975,7 +11983,7 @@
         </p:blipFill>
         <p:spPr bwMode="auto">
           <a:xfrm>
-            <a:off x="1115616" y="111449"/>
+            <a:off x="821221" y="122289"/>
             <a:ext cx="6768752" cy="6747926"/>
           </a:xfrm>
           <a:prstGeom prst="rect">
@@ -12016,7 +12024,7 @@
         </p:blipFill>
         <p:spPr bwMode="auto">
           <a:xfrm>
-            <a:off x="0" y="504825"/>
+            <a:off x="10570" y="692696"/>
             <a:ext cx="9204299" cy="5156423"/>
           </a:xfrm>
           <a:prstGeom prst="rect">
@@ -12080,7 +12088,7 @@
         </p:blipFill>
         <p:spPr bwMode="auto">
           <a:xfrm>
-            <a:off x="0" y="1196752"/>
+            <a:off x="32274" y="894720"/>
             <a:ext cx="9120588" cy="4752373"/>
           </a:xfrm>
           <a:prstGeom prst="rect">
@@ -12547,7 +12555,11 @@
           <a:p>
             <a:r>
               <a:rPr lang="fr-FR" dirty="0" smtClean="0"/>
-              <a:t>VII – Tests</a:t>
+              <a:t>VIII </a:t>
+            </a:r>
+            <a:r>
+              <a:rPr lang="fr-FR" dirty="0" smtClean="0"/>
+              <a:t>– Tests</a:t>
             </a:r>
             <a:endParaRPr lang="fr-FR" dirty="0"/>
           </a:p>
@@ -13843,7 +13855,11 @@
           <a:p>
             <a:r>
               <a:rPr lang="fr-FR" dirty="0" smtClean="0"/>
-              <a:t>IIX. Démonstration</a:t>
+              <a:t>IX</a:t>
+            </a:r>
+            <a:r>
+              <a:rPr lang="fr-FR" dirty="0" smtClean="0"/>
+              <a:t>. Démonstration</a:t>
             </a:r>
             <a:endParaRPr lang="fr-FR" dirty="0"/>
           </a:p>

--- a/trunk/modelisator/Gestion de projet/2015_06_18 [Modelisator] Step 6/2015_06_18  [Modelisator] Presentation_Final.pptx
+++ b/trunk/modelisator/Gestion de projet/2015_06_18 [Modelisator] Step 6/2015_06_18  [Modelisator] Presentation_Final.pptx
@@ -669,6 +669,98 @@
 </p:notes>
 </file>
 
+<file path=ppt/notesSlides/notesSlide10.xml><?xml version="1.0" encoding="utf-8"?>
+<p:notes xmlns:a="http://schemas.openxmlformats.org/drawingml/2006/main" xmlns:r="http://schemas.openxmlformats.org/officeDocument/2006/relationships" xmlns:p="http://schemas.openxmlformats.org/presentationml/2006/main">
+  <p:cSld>
+    <p:spTree>
+      <p:nvGrpSpPr>
+        <p:cNvPr id="1" name=""/>
+        <p:cNvGrpSpPr/>
+        <p:nvPr/>
+      </p:nvGrpSpPr>
+      <p:grpSpPr>
+        <a:xfrm>
+          <a:off x="0" y="0"/>
+          <a:ext cx="0" cy="0"/>
+          <a:chOff x="0" y="0"/>
+          <a:chExt cx="0" cy="0"/>
+        </a:xfrm>
+      </p:grpSpPr>
+      <p:sp>
+        <p:nvSpPr>
+          <p:cNvPr id="2" name="Espace réservé de l'image des diapositives 1"/>
+          <p:cNvSpPr>
+            <a:spLocks noGrp="1" noRot="1" noChangeAspect="1"/>
+          </p:cNvSpPr>
+          <p:nvPr>
+            <p:ph type="sldImg"/>
+          </p:nvPr>
+        </p:nvSpPr>
+        <p:spPr/>
+      </p:sp>
+      <p:sp>
+        <p:nvSpPr>
+          <p:cNvPr id="3" name="Espace réservé des commentaires 2"/>
+          <p:cNvSpPr>
+            <a:spLocks noGrp="1"/>
+          </p:cNvSpPr>
+          <p:nvPr>
+            <p:ph type="body" idx="1"/>
+          </p:nvPr>
+        </p:nvSpPr>
+        <p:spPr/>
+        <p:txBody>
+          <a:bodyPr/>
+          <a:lstStyle/>
+          <a:p>
+            <a:r>
+              <a:rPr lang="fr-FR" dirty="0" smtClean="0"/>
+              <a:t>Chaque fin</a:t>
+            </a:r>
+            <a:r>
+              <a:rPr lang="fr-FR" baseline="0" dirty="0" smtClean="0"/>
+              <a:t> de journée de travail, réunion « compte rendu » et définition des tâches à faire pour la prochaine fois</a:t>
+            </a:r>
+            <a:endParaRPr lang="fr-FR" dirty="0"/>
+          </a:p>
+        </p:txBody>
+      </p:sp>
+      <p:sp>
+        <p:nvSpPr>
+          <p:cNvPr id="4" name="Espace réservé du numéro de diapositive 3"/>
+          <p:cNvSpPr>
+            <a:spLocks noGrp="1"/>
+          </p:cNvSpPr>
+          <p:nvPr>
+            <p:ph type="sldNum" sz="quarter" idx="10"/>
+          </p:nvPr>
+        </p:nvSpPr>
+        <p:spPr/>
+        <p:txBody>
+          <a:bodyPr/>
+          <a:lstStyle/>
+          <a:p>
+            <a:fld id="{8011DD82-4401-44DA-901A-04AB1EF004B2}" type="slidenum">
+              <a:rPr lang="fr-FR" smtClean="0"/>
+              <a:t>27</a:t>
+            </a:fld>
+            <a:endParaRPr lang="fr-FR"/>
+          </a:p>
+        </p:txBody>
+      </p:sp>
+    </p:spTree>
+    <p:extLst>
+      <p:ext uri="{BB962C8B-B14F-4D97-AF65-F5344CB8AC3E}">
+        <p14:creationId xmlns:p14="http://schemas.microsoft.com/office/powerpoint/2010/main" val="2989751773"/>
+      </p:ext>
+    </p:extLst>
+  </p:cSld>
+  <p:clrMapOvr>
+    <a:masterClrMapping/>
+  </p:clrMapOvr>
+</p:notes>
+</file>
+
 <file path=ppt/notesSlides/notesSlide2.xml><?xml version="1.0" encoding="utf-8"?>
 <p:notes xmlns:a="http://schemas.openxmlformats.org/drawingml/2006/main" xmlns:r="http://schemas.openxmlformats.org/officeDocument/2006/relationships" xmlns:p="http://schemas.openxmlformats.org/presentationml/2006/main">
   <p:cSld>
@@ -713,206 +805,21 @@
           <a:bodyPr/>
           <a:lstStyle/>
           <a:p>
-            <a:pPr lvl="0"/>
-            <a:r>
-              <a:rPr lang="fr-FR" sz="1200" kern="1200" dirty="0" smtClean="0">
-                <a:solidFill>
-                  <a:schemeClr val="tx1"/>
-                </a:solidFill>
-                <a:effectLst/>
-                <a:latin typeface="+mn-lt"/>
-                <a:ea typeface="+mn-ea"/>
-                <a:cs typeface="+mn-cs"/>
-              </a:rPr>
-              <a:t>Quoi ?</a:t>
-            </a:r>
-          </a:p>
-          <a:p>
-            <a:r>
-              <a:rPr lang="fr-FR" sz="1200" kern="1200" dirty="0" smtClean="0">
-                <a:solidFill>
-                  <a:schemeClr val="tx1"/>
-                </a:solidFill>
-                <a:effectLst/>
-                <a:latin typeface="+mn-lt"/>
-                <a:ea typeface="+mn-ea"/>
-                <a:cs typeface="+mn-cs"/>
-              </a:rPr>
-              <a:t>Modelisator est un logiciel qui permet la conception d’objets et leurs propriétés physiques. </a:t>
-            </a:r>
-          </a:p>
-          <a:p>
-            <a:pPr lvl="0"/>
-            <a:r>
-              <a:rPr lang="fr-FR" sz="1200" kern="1200" dirty="0" smtClean="0">
-                <a:solidFill>
-                  <a:schemeClr val="tx1"/>
-                </a:solidFill>
-                <a:effectLst/>
-                <a:latin typeface="+mn-lt"/>
-                <a:ea typeface="+mn-ea"/>
-                <a:cs typeface="+mn-cs"/>
-              </a:rPr>
-              <a:t>Pourquoi ?</a:t>
-            </a:r>
-          </a:p>
-          <a:p>
-            <a:r>
-              <a:rPr lang="fr-FR" sz="1200" kern="1200" dirty="0" smtClean="0">
-                <a:solidFill>
-                  <a:schemeClr val="tx1"/>
-                </a:solidFill>
-                <a:effectLst/>
-                <a:latin typeface="+mn-lt"/>
-                <a:ea typeface="+mn-ea"/>
-                <a:cs typeface="+mn-cs"/>
-              </a:rPr>
-              <a:t>Modelisator répond au besoin de concepteurs et de modélisateurs recherchant un logiciel de modélisation d’objets selon un contexte, tels que des bonbonnes de gaz, ainsi que leurs propriétés physiques (pression, volume, etc.).</a:t>
-            </a:r>
-          </a:p>
-          <a:p>
-            <a:pPr lvl="0"/>
-            <a:r>
-              <a:rPr lang="fr-FR" sz="1200" kern="1200" dirty="0" smtClean="0">
-                <a:solidFill>
-                  <a:schemeClr val="tx1"/>
-                </a:solidFill>
-                <a:effectLst/>
-                <a:latin typeface="+mn-lt"/>
-                <a:ea typeface="+mn-ea"/>
-                <a:cs typeface="+mn-cs"/>
-              </a:rPr>
-              <a:t>Qui ?</a:t>
-            </a:r>
-          </a:p>
-          <a:p>
-            <a:r>
-              <a:rPr lang="fr-FR" sz="1200" kern="1200" dirty="0" smtClean="0">
-                <a:solidFill>
-                  <a:schemeClr val="tx1"/>
-                </a:solidFill>
-                <a:effectLst/>
-                <a:latin typeface="+mn-lt"/>
-                <a:ea typeface="+mn-ea"/>
-                <a:cs typeface="+mn-cs"/>
-              </a:rPr>
-              <a:t>Le logiciel est créé par des apprentis-ingénieurs en informatique. Il est destiné à des concepteurs/modélisateurs. </a:t>
-            </a:r>
-          </a:p>
-          <a:p>
-            <a:pPr lvl="0"/>
-            <a:r>
-              <a:rPr lang="fr-FR" sz="1200" kern="1200" dirty="0" smtClean="0">
-                <a:solidFill>
-                  <a:schemeClr val="tx1"/>
-                </a:solidFill>
-                <a:effectLst/>
-                <a:latin typeface="+mn-lt"/>
-                <a:ea typeface="+mn-ea"/>
-                <a:cs typeface="+mn-cs"/>
-              </a:rPr>
-              <a:t>Quand ?</a:t>
-            </a:r>
-          </a:p>
-          <a:p>
-            <a:r>
-              <a:rPr lang="fr-FR" sz="1200" kern="1200" dirty="0" smtClean="0">
-                <a:solidFill>
-                  <a:schemeClr val="tx1"/>
-                </a:solidFill>
-                <a:effectLst/>
-                <a:latin typeface="+mn-lt"/>
-                <a:ea typeface="+mn-ea"/>
-                <a:cs typeface="+mn-cs"/>
-              </a:rPr>
-              <a:t>Le projet compte cinq semaines de travail : il a commencé le 21 mai 2015 et a pour date de fin le 24 juin 2015.</a:t>
-            </a:r>
-          </a:p>
-          <a:p>
-            <a:pPr lvl="0"/>
-            <a:r>
-              <a:rPr lang="fr-FR" sz="1200" kern="1200" dirty="0" smtClean="0">
-                <a:solidFill>
-                  <a:schemeClr val="tx1"/>
-                </a:solidFill>
-                <a:effectLst/>
-                <a:latin typeface="+mn-lt"/>
-                <a:ea typeface="+mn-ea"/>
-                <a:cs typeface="+mn-cs"/>
-              </a:rPr>
-              <a:t>Combien ?</a:t>
-            </a:r>
-          </a:p>
-          <a:p>
-            <a:r>
-              <a:rPr lang="fr-FR" sz="1200" kern="1200" dirty="0" smtClean="0">
-                <a:solidFill>
-                  <a:schemeClr val="tx1"/>
-                </a:solidFill>
-                <a:effectLst/>
-                <a:latin typeface="+mn-lt"/>
-                <a:ea typeface="+mn-ea"/>
-                <a:cs typeface="+mn-cs"/>
-              </a:rPr>
-              <a:t>L’équipe de travail est composée de quatre apprentis-ingénieurs informatiques ayant chacun leur ordinateur personnel.</a:t>
-            </a:r>
-          </a:p>
-          <a:p>
-            <a:pPr lvl="0"/>
-            <a:r>
-              <a:rPr lang="fr-FR" sz="1200" kern="1200" dirty="0" smtClean="0">
-                <a:solidFill>
-                  <a:schemeClr val="tx1"/>
-                </a:solidFill>
-                <a:effectLst/>
-                <a:latin typeface="+mn-lt"/>
-                <a:ea typeface="+mn-ea"/>
-                <a:cs typeface="+mn-cs"/>
-              </a:rPr>
-              <a:t>Où ?</a:t>
-            </a:r>
-          </a:p>
-          <a:p>
-            <a:r>
-              <a:rPr lang="fr-FR" sz="1200" kern="1200" dirty="0" smtClean="0">
-                <a:solidFill>
-                  <a:schemeClr val="tx1"/>
-                </a:solidFill>
-                <a:effectLst/>
-                <a:latin typeface="+mn-lt"/>
-                <a:ea typeface="+mn-ea"/>
-                <a:cs typeface="+mn-cs"/>
-              </a:rPr>
-              <a:t>Le déroulement du projet se fait dans les salles de classes disponibles de l’UTBM. Le déploiement de l’application sera fait sur un site en ligne de distribution gratuit.</a:t>
-            </a:r>
-          </a:p>
-          <a:p>
-            <a:pPr lvl="0"/>
-            <a:r>
-              <a:rPr lang="fr-FR" sz="1200" kern="1200" dirty="0" smtClean="0">
-                <a:solidFill>
-                  <a:schemeClr val="tx1"/>
-                </a:solidFill>
-                <a:effectLst/>
-                <a:latin typeface="+mn-lt"/>
-                <a:ea typeface="+mn-ea"/>
-                <a:cs typeface="+mn-cs"/>
-              </a:rPr>
-              <a:t>Comment ?</a:t>
-            </a:r>
-          </a:p>
-          <a:p>
-            <a:r>
-              <a:rPr lang="fr-FR" sz="1200" kern="1200" dirty="0" smtClean="0">
-                <a:solidFill>
-                  <a:schemeClr val="tx1"/>
-                </a:solidFill>
-                <a:effectLst/>
-                <a:latin typeface="+mn-lt"/>
-                <a:ea typeface="+mn-ea"/>
-                <a:cs typeface="+mn-cs"/>
-              </a:rPr>
-              <a:t>A l’aide d’une interface graphique intuitive enrichie par une banque de données mettant en relation l’ensemble des grandeurs physiques pour un objet dans un contexte. L’utilisateur peut alors explorer l’ensemble des propriétés physiques de l’objet.</a:t>
+            <a:r>
+              <a:rPr lang="fr-FR" dirty="0" smtClean="0"/>
+              <a:t>Fil rouge</a:t>
+            </a:r>
+          </a:p>
+          <a:p>
+            <a:r>
+              <a:rPr lang="fr-FR" dirty="0" smtClean="0"/>
+              <a:t>Répartition des taches</a:t>
+            </a:r>
+          </a:p>
+          <a:p>
+            <a:r>
+              <a:rPr lang="fr-FR" dirty="0" smtClean="0"/>
+              <a:t>Etat d’avancement monitoring</a:t>
             </a:r>
           </a:p>
           <a:p>
@@ -937,7 +844,7 @@
           <a:p>
             <a:fld id="{BE12C92E-3900-4461-B5FA-310C7A928654}" type="slidenum">
               <a:rPr lang="fr-FR" smtClean="0"/>
-              <a:t>12</a:t>
+              <a:t>11</a:t>
             </a:fld>
             <a:endParaRPr lang="fr-FR"/>
           </a:p>
@@ -946,7 +853,7 @@
     </p:spTree>
     <p:extLst>
       <p:ext uri="{BB962C8B-B14F-4D97-AF65-F5344CB8AC3E}">
-        <p14:creationId xmlns:p14="http://schemas.microsoft.com/office/powerpoint/2010/main" val="1615738975"/>
+        <p14:creationId xmlns:p14="http://schemas.microsoft.com/office/powerpoint/2010/main" val="656598617"/>
       </p:ext>
     </p:extLst>
   </p:cSld>
@@ -1000,29 +907,6 @@
           <a:bodyPr/>
           <a:lstStyle/>
           <a:p>
-            <a:r>
-              <a:rPr lang="fr-FR" sz="1200" u="sng" kern="1200" dirty="0" smtClean="0">
-                <a:solidFill>
-                  <a:schemeClr val="tx1"/>
-                </a:solidFill>
-                <a:effectLst/>
-                <a:latin typeface="+mn-lt"/>
-                <a:ea typeface="+mn-ea"/>
-                <a:cs typeface="+mn-cs"/>
-              </a:rPr>
-              <a:t>Contraintes Projet :</a:t>
-            </a:r>
-            <a:endParaRPr lang="fr-FR" sz="1200" kern="1200" dirty="0" smtClean="0">
-              <a:solidFill>
-                <a:schemeClr val="tx1"/>
-              </a:solidFill>
-              <a:effectLst/>
-              <a:latin typeface="+mn-lt"/>
-              <a:ea typeface="+mn-ea"/>
-              <a:cs typeface="+mn-cs"/>
-            </a:endParaRPr>
-          </a:p>
-          <a:p>
             <a:pPr lvl="0"/>
             <a:r>
               <a:rPr lang="fr-FR" sz="1200" kern="1200" dirty="0" smtClean="0">
@@ -1034,7 +918,7 @@
                 <a:ea typeface="+mn-ea"/>
                 <a:cs typeface="+mn-cs"/>
               </a:rPr>
-              <a:t>Temporelle :</a:t>
+              <a:t>Quoi ?</a:t>
             </a:r>
           </a:p>
           <a:p>
@@ -1048,7 +932,7 @@
                 <a:ea typeface="+mn-ea"/>
                 <a:cs typeface="+mn-cs"/>
               </a:rPr>
-              <a:t>Le livrable est attendu dans un délai assez court (6 semaines) vu l’importance du projet. Les ressources humaines ne sont pas disponibles à 100% durant ces périodes.</a:t>
+              <a:t>Modelisator est un logiciel qui permet la conception d’objets et leurs propriétés physiques. </a:t>
             </a:r>
           </a:p>
           <a:p>
@@ -1063,7 +947,7 @@
                 <a:ea typeface="+mn-ea"/>
                 <a:cs typeface="+mn-cs"/>
               </a:rPr>
-              <a:t>Ressources humaines :</a:t>
+              <a:t>Pourquoi ?</a:t>
             </a:r>
           </a:p>
           <a:p>
@@ -1077,10 +961,11 @@
                 <a:ea typeface="+mn-ea"/>
                 <a:cs typeface="+mn-cs"/>
               </a:rPr>
-              <a:t>Le nombre de développeur est limité à 4.</a:t>
-            </a:r>
-          </a:p>
-          <a:p>
+              <a:t>Modelisator répond au besoin de concepteurs et de modélisateurs recherchant un logiciel de modélisation d’objets selon un contexte, tels que des bonbonnes de gaz, ainsi que leurs propriétés physiques (pression, volume, etc.).</a:t>
+            </a:r>
+          </a:p>
+          <a:p>
+            <a:pPr lvl="0"/>
             <a:r>
               <a:rPr lang="fr-FR" sz="1200" kern="1200" dirty="0" smtClean="0">
                 <a:solidFill>
@@ -1091,11 +976,10 @@
                 <a:ea typeface="+mn-ea"/>
                 <a:cs typeface="+mn-cs"/>
               </a:rPr>
-              <a:t>Le projet ne dispose pas de testeurs externes. </a:t>
-            </a:r>
-          </a:p>
-          <a:p>
-            <a:pPr lvl="0"/>
+              <a:t>Qui ?</a:t>
+            </a:r>
+          </a:p>
+          <a:p>
             <a:r>
               <a:rPr lang="fr-FR" sz="1200" kern="1200" dirty="0" smtClean="0">
                 <a:solidFill>
@@ -1106,10 +990,11 @@
                 <a:ea typeface="+mn-ea"/>
                 <a:cs typeface="+mn-cs"/>
               </a:rPr>
-              <a:t>Ressources matérielles :</a:t>
-            </a:r>
-          </a:p>
-          <a:p>
+              <a:t>Le logiciel est créé par des apprentis-ingénieurs en informatique. Il est destiné à des concepteurs/modélisateurs. </a:t>
+            </a:r>
+          </a:p>
+          <a:p>
+            <a:pPr lvl="0"/>
             <a:r>
               <a:rPr lang="fr-FR" sz="1200" kern="1200" dirty="0" smtClean="0">
                 <a:solidFill>
@@ -1120,7 +1005,7 @@
                 <a:ea typeface="+mn-ea"/>
                 <a:cs typeface="+mn-cs"/>
               </a:rPr>
-              <a:t>Nous disposons juste de notre propres machines pour pouvoir développer.</a:t>
+              <a:t>Quand ?</a:t>
             </a:r>
           </a:p>
           <a:p>
@@ -1134,7 +1019,7 @@
                 <a:ea typeface="+mn-ea"/>
                 <a:cs typeface="+mn-cs"/>
               </a:rPr>
-              <a:t>Le projet n’est pas financé. </a:t>
+              <a:t>Le projet compte cinq semaines de travail : il a commencé le 21 mai 2015 et a pour date de fin le 24 juin 2015.</a:t>
             </a:r>
           </a:p>
           <a:p>
@@ -1149,7 +1034,7 @@
                 <a:ea typeface="+mn-ea"/>
                 <a:cs typeface="+mn-cs"/>
               </a:rPr>
-              <a:t>Légal :</a:t>
+              <a:t>Combien ?</a:t>
             </a:r>
           </a:p>
           <a:p>
@@ -1163,31 +1048,8 @@
                 <a:ea typeface="+mn-ea"/>
                 <a:cs typeface="+mn-cs"/>
               </a:rPr>
-              <a:t>Le logiciel Modelisator est sous licence MIT, toutes les technologies utilisées doivent être de licence équivalente ou moins restrictive.</a:t>
-            </a:r>
-          </a:p>
-          <a:p>
-            <a:r>
-              <a:rPr lang="fr-FR" sz="1200" u="sng" kern="1200" dirty="0" smtClean="0">
-                <a:solidFill>
-                  <a:schemeClr val="tx1"/>
-                </a:solidFill>
-                <a:effectLst/>
-                <a:latin typeface="+mn-lt"/>
-                <a:ea typeface="+mn-ea"/>
-                <a:cs typeface="+mn-cs"/>
-              </a:rPr>
-              <a:t>Contraintes Métier :</a:t>
-            </a:r>
-            <a:endParaRPr lang="fr-FR" sz="1200" kern="1200" dirty="0" smtClean="0">
-              <a:solidFill>
-                <a:schemeClr val="tx1"/>
-              </a:solidFill>
-              <a:effectLst/>
-              <a:latin typeface="+mn-lt"/>
-              <a:ea typeface="+mn-ea"/>
-              <a:cs typeface="+mn-cs"/>
-            </a:endParaRPr>
+              <a:t>L’équipe de travail est composée de quatre apprentis-ingénieurs informatiques ayant chacun leur ordinateur personnel.</a:t>
+            </a:r>
           </a:p>
           <a:p>
             <a:pPr lvl="0"/>
@@ -1201,7 +1063,7 @@
                 <a:ea typeface="+mn-ea"/>
                 <a:cs typeface="+mn-cs"/>
               </a:rPr>
-              <a:t>Qualité :</a:t>
+              <a:t>Où ?</a:t>
             </a:r>
           </a:p>
           <a:p>
@@ -1215,7 +1077,7 @@
                 <a:ea typeface="+mn-ea"/>
                 <a:cs typeface="+mn-cs"/>
               </a:rPr>
-              <a:t>Le logiciel doit être performant et répond exactement aux besoins. Il est soumis au respect des lois physiques universelles.</a:t>
+              <a:t>Le déroulement du projet se fait dans les salles de classes disponibles de l’UTBM. Le déploiement de l’application sera fait sur un site en ligne de distribution gratuit.</a:t>
             </a:r>
           </a:p>
           <a:p>
@@ -1230,7 +1092,7 @@
                 <a:ea typeface="+mn-ea"/>
                 <a:cs typeface="+mn-cs"/>
               </a:rPr>
-              <a:t>Evolutif :</a:t>
+              <a:t>Comment ?</a:t>
             </a:r>
           </a:p>
           <a:p>
@@ -1244,7 +1106,7 @@
                 <a:ea typeface="+mn-ea"/>
                 <a:cs typeface="+mn-cs"/>
               </a:rPr>
-              <a:t>Modelisator permet de modéliser un contexte précis, mais on doit laisser la possibilité de pouvoir modéliser d’autres contextes.</a:t>
+              <a:t>A l’aide d’une interface graphique intuitive enrichie par une banque de données mettant en relation l’ensemble des grandeurs physiques pour un objet dans un contexte. L’utilisateur peut alors explorer l’ensemble des propriétés physiques de l’objet.</a:t>
             </a:r>
           </a:p>
           <a:p>
@@ -1269,7 +1131,7 @@
           <a:p>
             <a:fld id="{BE12C92E-3900-4461-B5FA-310C7A928654}" type="slidenum">
               <a:rPr lang="fr-FR" smtClean="0"/>
-              <a:t>13</a:t>
+              <a:t>12</a:t>
             </a:fld>
             <a:endParaRPr lang="fr-FR"/>
           </a:p>
@@ -1278,7 +1140,7 @@
     </p:spTree>
     <p:extLst>
       <p:ext uri="{BB962C8B-B14F-4D97-AF65-F5344CB8AC3E}">
-        <p14:creationId xmlns:p14="http://schemas.microsoft.com/office/powerpoint/2010/main" val="1928198982"/>
+        <p14:creationId xmlns:p14="http://schemas.microsoft.com/office/powerpoint/2010/main" val="1615738975"/>
       </p:ext>
     </p:extLst>
   </p:cSld>
@@ -1332,6 +1194,254 @@
           <a:bodyPr/>
           <a:lstStyle/>
           <a:p>
+            <a:r>
+              <a:rPr lang="fr-FR" sz="1200" u="sng" kern="1200" dirty="0" smtClean="0">
+                <a:solidFill>
+                  <a:schemeClr val="tx1"/>
+                </a:solidFill>
+                <a:effectLst/>
+                <a:latin typeface="+mn-lt"/>
+                <a:ea typeface="+mn-ea"/>
+                <a:cs typeface="+mn-cs"/>
+              </a:rPr>
+              <a:t>Contraintes Projet :</a:t>
+            </a:r>
+            <a:endParaRPr lang="fr-FR" sz="1200" kern="1200" dirty="0" smtClean="0">
+              <a:solidFill>
+                <a:schemeClr val="tx1"/>
+              </a:solidFill>
+              <a:effectLst/>
+              <a:latin typeface="+mn-lt"/>
+              <a:ea typeface="+mn-ea"/>
+              <a:cs typeface="+mn-cs"/>
+            </a:endParaRPr>
+          </a:p>
+          <a:p>
+            <a:pPr lvl="0"/>
+            <a:r>
+              <a:rPr lang="fr-FR" sz="1200" kern="1200" dirty="0" smtClean="0">
+                <a:solidFill>
+                  <a:schemeClr val="tx1"/>
+                </a:solidFill>
+                <a:effectLst/>
+                <a:latin typeface="+mn-lt"/>
+                <a:ea typeface="+mn-ea"/>
+                <a:cs typeface="+mn-cs"/>
+              </a:rPr>
+              <a:t>Temporelle :</a:t>
+            </a:r>
+          </a:p>
+          <a:p>
+            <a:r>
+              <a:rPr lang="fr-FR" sz="1200" kern="1200" dirty="0" smtClean="0">
+                <a:solidFill>
+                  <a:schemeClr val="tx1"/>
+                </a:solidFill>
+                <a:effectLst/>
+                <a:latin typeface="+mn-lt"/>
+                <a:ea typeface="+mn-ea"/>
+                <a:cs typeface="+mn-cs"/>
+              </a:rPr>
+              <a:t>Le livrable est attendu dans un délai assez court (6 semaines) vu l’importance du projet. Les ressources humaines ne sont pas disponibles à 100% durant ces périodes.</a:t>
+            </a:r>
+          </a:p>
+          <a:p>
+            <a:pPr lvl="0"/>
+            <a:r>
+              <a:rPr lang="fr-FR" sz="1200" kern="1200" dirty="0" smtClean="0">
+                <a:solidFill>
+                  <a:schemeClr val="tx1"/>
+                </a:solidFill>
+                <a:effectLst/>
+                <a:latin typeface="+mn-lt"/>
+                <a:ea typeface="+mn-ea"/>
+                <a:cs typeface="+mn-cs"/>
+              </a:rPr>
+              <a:t>Ressources humaines :</a:t>
+            </a:r>
+          </a:p>
+          <a:p>
+            <a:r>
+              <a:rPr lang="fr-FR" sz="1200" kern="1200" dirty="0" smtClean="0">
+                <a:solidFill>
+                  <a:schemeClr val="tx1"/>
+                </a:solidFill>
+                <a:effectLst/>
+                <a:latin typeface="+mn-lt"/>
+                <a:ea typeface="+mn-ea"/>
+                <a:cs typeface="+mn-cs"/>
+              </a:rPr>
+              <a:t>Le nombre de développeur est limité à 4.</a:t>
+            </a:r>
+          </a:p>
+          <a:p>
+            <a:r>
+              <a:rPr lang="fr-FR" sz="1200" kern="1200" dirty="0" smtClean="0">
+                <a:solidFill>
+                  <a:schemeClr val="tx1"/>
+                </a:solidFill>
+                <a:effectLst/>
+                <a:latin typeface="+mn-lt"/>
+                <a:ea typeface="+mn-ea"/>
+                <a:cs typeface="+mn-cs"/>
+              </a:rPr>
+              <a:t>Le projet ne dispose pas de testeurs externes. </a:t>
+            </a:r>
+          </a:p>
+          <a:p>
+            <a:pPr lvl="0"/>
+            <a:r>
+              <a:rPr lang="fr-FR" sz="1200" kern="1200" dirty="0" smtClean="0">
+                <a:solidFill>
+                  <a:schemeClr val="tx1"/>
+                </a:solidFill>
+                <a:effectLst/>
+                <a:latin typeface="+mn-lt"/>
+                <a:ea typeface="+mn-ea"/>
+                <a:cs typeface="+mn-cs"/>
+              </a:rPr>
+              <a:t>Ressources matérielles :</a:t>
+            </a:r>
+          </a:p>
+          <a:p>
+            <a:r>
+              <a:rPr lang="fr-FR" sz="1200" kern="1200" dirty="0" smtClean="0">
+                <a:solidFill>
+                  <a:schemeClr val="tx1"/>
+                </a:solidFill>
+                <a:effectLst/>
+                <a:latin typeface="+mn-lt"/>
+                <a:ea typeface="+mn-ea"/>
+                <a:cs typeface="+mn-cs"/>
+              </a:rPr>
+              <a:t>Nous disposons juste de notre propres machines pour pouvoir développer.</a:t>
+            </a:r>
+          </a:p>
+          <a:p>
+            <a:r>
+              <a:rPr lang="fr-FR" sz="1200" kern="1200" dirty="0" smtClean="0">
+                <a:solidFill>
+                  <a:schemeClr val="tx1"/>
+                </a:solidFill>
+                <a:effectLst/>
+                <a:latin typeface="+mn-lt"/>
+                <a:ea typeface="+mn-ea"/>
+                <a:cs typeface="+mn-cs"/>
+              </a:rPr>
+              <a:t>Le projet n’est pas financé. </a:t>
+            </a:r>
+          </a:p>
+          <a:p>
+            <a:pPr lvl="0"/>
+            <a:r>
+              <a:rPr lang="fr-FR" sz="1200" kern="1200" dirty="0" smtClean="0">
+                <a:solidFill>
+                  <a:schemeClr val="tx1"/>
+                </a:solidFill>
+                <a:effectLst/>
+                <a:latin typeface="+mn-lt"/>
+                <a:ea typeface="+mn-ea"/>
+                <a:cs typeface="+mn-cs"/>
+              </a:rPr>
+              <a:t>Légal :</a:t>
+            </a:r>
+          </a:p>
+          <a:p>
+            <a:r>
+              <a:rPr lang="fr-FR" sz="1200" kern="1200" dirty="0" smtClean="0">
+                <a:solidFill>
+                  <a:schemeClr val="tx1"/>
+                </a:solidFill>
+                <a:effectLst/>
+                <a:latin typeface="+mn-lt"/>
+                <a:ea typeface="+mn-ea"/>
+                <a:cs typeface="+mn-cs"/>
+              </a:rPr>
+              <a:t>Le logiciel Modelisator est sous licence MIT, toutes les technologies utilisées doivent être de licence équivalente ou moins restrictive.</a:t>
+            </a:r>
+          </a:p>
+          <a:p>
+            <a:r>
+              <a:rPr lang="fr-FR" sz="1200" u="sng" kern="1200" dirty="0" smtClean="0">
+                <a:solidFill>
+                  <a:schemeClr val="tx1"/>
+                </a:solidFill>
+                <a:effectLst/>
+                <a:latin typeface="+mn-lt"/>
+                <a:ea typeface="+mn-ea"/>
+                <a:cs typeface="+mn-cs"/>
+              </a:rPr>
+              <a:t>Contraintes Métier :</a:t>
+            </a:r>
+            <a:endParaRPr lang="fr-FR" sz="1200" kern="1200" dirty="0" smtClean="0">
+              <a:solidFill>
+                <a:schemeClr val="tx1"/>
+              </a:solidFill>
+              <a:effectLst/>
+              <a:latin typeface="+mn-lt"/>
+              <a:ea typeface="+mn-ea"/>
+              <a:cs typeface="+mn-cs"/>
+            </a:endParaRPr>
+          </a:p>
+          <a:p>
+            <a:pPr lvl="0"/>
+            <a:r>
+              <a:rPr lang="fr-FR" sz="1200" kern="1200" dirty="0" smtClean="0">
+                <a:solidFill>
+                  <a:schemeClr val="tx1"/>
+                </a:solidFill>
+                <a:effectLst/>
+                <a:latin typeface="+mn-lt"/>
+                <a:ea typeface="+mn-ea"/>
+                <a:cs typeface="+mn-cs"/>
+              </a:rPr>
+              <a:t>Qualité :</a:t>
+            </a:r>
+          </a:p>
+          <a:p>
+            <a:r>
+              <a:rPr lang="fr-FR" sz="1200" kern="1200" dirty="0" smtClean="0">
+                <a:solidFill>
+                  <a:schemeClr val="tx1"/>
+                </a:solidFill>
+                <a:effectLst/>
+                <a:latin typeface="+mn-lt"/>
+                <a:ea typeface="+mn-ea"/>
+                <a:cs typeface="+mn-cs"/>
+              </a:rPr>
+              <a:t>Le logiciel doit être performant et répond exactement aux besoins. Il est soumis au respect des lois physiques universelles.</a:t>
+            </a:r>
+          </a:p>
+          <a:p>
+            <a:pPr lvl="0"/>
+            <a:r>
+              <a:rPr lang="fr-FR" sz="1200" kern="1200" dirty="0" smtClean="0">
+                <a:solidFill>
+                  <a:schemeClr val="tx1"/>
+                </a:solidFill>
+                <a:effectLst/>
+                <a:latin typeface="+mn-lt"/>
+                <a:ea typeface="+mn-ea"/>
+                <a:cs typeface="+mn-cs"/>
+              </a:rPr>
+              <a:t>Evolutif :</a:t>
+            </a:r>
+          </a:p>
+          <a:p>
+            <a:r>
+              <a:rPr lang="fr-FR" sz="1200" kern="1200" dirty="0" smtClean="0">
+                <a:solidFill>
+                  <a:schemeClr val="tx1"/>
+                </a:solidFill>
+                <a:effectLst/>
+                <a:latin typeface="+mn-lt"/>
+                <a:ea typeface="+mn-ea"/>
+                <a:cs typeface="+mn-cs"/>
+              </a:rPr>
+              <a:t>Modelisator permet de modéliser un contexte précis, mais on doit laisser la possibilité de pouvoir modéliser d’autres contextes.</a:t>
+            </a:r>
+          </a:p>
+          <a:p>
             <a:endParaRPr lang="fr-FR" dirty="0"/>
           </a:p>
         </p:txBody>
@@ -1353,7 +1463,7 @@
           <a:p>
             <a:fld id="{BE12C92E-3900-4461-B5FA-310C7A928654}" type="slidenum">
               <a:rPr lang="fr-FR" smtClean="0"/>
-              <a:t>17</a:t>
+              <a:t>13</a:t>
             </a:fld>
             <a:endParaRPr lang="fr-FR"/>
           </a:p>
@@ -1362,7 +1472,7 @@
     </p:spTree>
     <p:extLst>
       <p:ext uri="{BB962C8B-B14F-4D97-AF65-F5344CB8AC3E}">
-        <p14:creationId xmlns:p14="http://schemas.microsoft.com/office/powerpoint/2010/main" val="2359458452"/>
+        <p14:creationId xmlns:p14="http://schemas.microsoft.com/office/powerpoint/2010/main" val="1928198982"/>
       </p:ext>
     </p:extLst>
   </p:cSld>
@@ -1437,7 +1547,7 @@
           <a:p>
             <a:fld id="{BE12C92E-3900-4461-B5FA-310C7A928654}" type="slidenum">
               <a:rPr lang="fr-FR" smtClean="0"/>
-              <a:t>20</a:t>
+              <a:t>17</a:t>
             </a:fld>
             <a:endParaRPr lang="fr-FR"/>
           </a:p>
@@ -1446,7 +1556,7 @@
     </p:spTree>
     <p:extLst>
       <p:ext uri="{BB962C8B-B14F-4D97-AF65-F5344CB8AC3E}">
-        <p14:creationId xmlns:p14="http://schemas.microsoft.com/office/powerpoint/2010/main" val="133934327"/>
+        <p14:creationId xmlns:p14="http://schemas.microsoft.com/office/powerpoint/2010/main" val="2359458452"/>
       </p:ext>
     </p:extLst>
   </p:cSld>
@@ -1500,29 +1610,7 @@
           <a:bodyPr/>
           <a:lstStyle/>
           <a:p>
-            <a:r>
-              <a:rPr lang="fr-FR" dirty="0" smtClean="0"/>
-              <a:t>C# (</a:t>
-            </a:r>
-            <a:r>
-              <a:rPr lang="fr-FR" dirty="0" err="1" smtClean="0"/>
-              <a:t>visual</a:t>
-            </a:r>
-            <a:r>
-              <a:rPr lang="fr-FR" dirty="0" smtClean="0"/>
-              <a:t> studio) avec du WPF pour le</a:t>
-            </a:r>
-            <a:r>
-              <a:rPr lang="fr-FR" baseline="0" dirty="0" smtClean="0"/>
-              <a:t> visuel</a:t>
-            </a:r>
-          </a:p>
-          <a:p>
-            <a:r>
-              <a:rPr lang="fr-FR" baseline="0" dirty="0" smtClean="0"/>
-              <a:t>Pour interfacer tout ca, MVVM</a:t>
-            </a:r>
-            <a:endParaRPr lang="fr-FR" dirty="0" smtClean="0"/>
+            <a:endParaRPr lang="fr-FR" dirty="0"/>
           </a:p>
         </p:txBody>
       </p:sp>
@@ -1541,9 +1629,9 @@
           <a:bodyPr/>
           <a:lstStyle/>
           <a:p>
-            <a:fld id="{8011DD82-4401-44DA-901A-04AB1EF004B2}" type="slidenum">
+            <a:fld id="{BE12C92E-3900-4461-B5FA-310C7A928654}" type="slidenum">
               <a:rPr lang="fr-FR" smtClean="0"/>
-              <a:t>24</a:t>
+              <a:t>20</a:t>
             </a:fld>
             <a:endParaRPr lang="fr-FR"/>
           </a:p>
@@ -1552,7 +1640,7 @@
     </p:spTree>
     <p:extLst>
       <p:ext uri="{BB962C8B-B14F-4D97-AF65-F5344CB8AC3E}">
-        <p14:creationId xmlns:p14="http://schemas.microsoft.com/office/powerpoint/2010/main" val="2635225376"/>
+        <p14:creationId xmlns:p14="http://schemas.microsoft.com/office/powerpoint/2010/main" val="133934327"/>
       </p:ext>
     </p:extLst>
   </p:cSld>
@@ -1608,29 +1696,27 @@
           <a:p>
             <a:r>
               <a:rPr lang="fr-FR" dirty="0" smtClean="0"/>
-              <a:t>Restriction OS :</a:t>
+              <a:t>C# (</a:t>
+            </a:r>
+            <a:r>
+              <a:rPr lang="fr-FR" dirty="0" err="1" smtClean="0"/>
+              <a:t>visual</a:t>
+            </a:r>
+            <a:r>
+              <a:rPr lang="fr-FR" dirty="0" smtClean="0"/>
+              <a:t> studio) avec du WPF pour le</a:t>
             </a:r>
             <a:r>
               <a:rPr lang="fr-FR" baseline="0" dirty="0" smtClean="0"/>
-              <a:t> win7 et antérieur</a:t>
+              <a:t> visuel</a:t>
             </a:r>
           </a:p>
           <a:p>
             <a:r>
               <a:rPr lang="fr-FR" baseline="0" dirty="0" smtClean="0"/>
-              <a:t>Pourquoi : interface moderne via des librairies compatibles uniquement win7 et +</a:t>
-            </a:r>
-          </a:p>
-          <a:p>
-            <a:r>
-              <a:rPr lang="fr-FR" baseline="0" dirty="0" smtClean="0"/>
-              <a:t>De +, Win XP plus supporté depuis quelques mois, donc migration massive vers win7 ouwin8 </a:t>
-            </a:r>
-            <a:r>
-              <a:rPr lang="fr-FR" baseline="0" smtClean="0"/>
-              <a:t>voire win10</a:t>
-            </a:r>
-            <a:endParaRPr lang="fr-FR" dirty="0"/>
+              <a:t>Pour interfacer tout ca, MVVM</a:t>
+            </a:r>
+            <a:endParaRPr lang="fr-FR" dirty="0" smtClean="0"/>
           </a:p>
         </p:txBody>
       </p:sp>
@@ -1651,7 +1737,7 @@
           <a:p>
             <a:fld id="{8011DD82-4401-44DA-901A-04AB1EF004B2}" type="slidenum">
               <a:rPr lang="fr-FR" smtClean="0"/>
-              <a:t>25</a:t>
+              <a:t>24</a:t>
             </a:fld>
             <a:endParaRPr lang="fr-FR"/>
           </a:p>
@@ -1660,7 +1746,7 @@
     </p:spTree>
     <p:extLst>
       <p:ext uri="{BB962C8B-B14F-4D97-AF65-F5344CB8AC3E}">
-        <p14:creationId xmlns:p14="http://schemas.microsoft.com/office/powerpoint/2010/main" val="2754577294"/>
+        <p14:creationId xmlns:p14="http://schemas.microsoft.com/office/powerpoint/2010/main" val="2635225376"/>
       </p:ext>
     </p:extLst>
   </p:cSld>
@@ -1716,11 +1802,27 @@
           <a:p>
             <a:r>
               <a:rPr lang="fr-FR" dirty="0" smtClean="0"/>
-              <a:t>Chaque fin</a:t>
+              <a:t>Restriction OS :</a:t>
             </a:r>
             <a:r>
               <a:rPr lang="fr-FR" baseline="0" dirty="0" smtClean="0"/>
-              <a:t> de journée de travail, réunion « compte rendu » et définition des tâches à faire pour la prochaine fois</a:t>
+              <a:t> win7 et antérieur</a:t>
+            </a:r>
+          </a:p>
+          <a:p>
+            <a:r>
+              <a:rPr lang="fr-FR" baseline="0" dirty="0" smtClean="0"/>
+              <a:t>Pourquoi : interface moderne via des librairies compatibles uniquement win7 et +</a:t>
+            </a:r>
+          </a:p>
+          <a:p>
+            <a:r>
+              <a:rPr lang="fr-FR" baseline="0" dirty="0" smtClean="0"/>
+              <a:t>De +, Win XP plus supporté depuis quelques mois, donc migration massive vers win7 ouwin8 </a:t>
+            </a:r>
+            <a:r>
+              <a:rPr lang="fr-FR" baseline="0" smtClean="0"/>
+              <a:t>voire win10</a:t>
             </a:r>
             <a:endParaRPr lang="fr-FR" dirty="0"/>
           </a:p>
@@ -1743,7 +1845,7 @@
           <a:p>
             <a:fld id="{8011DD82-4401-44DA-901A-04AB1EF004B2}" type="slidenum">
               <a:rPr lang="fr-FR" smtClean="0"/>
-              <a:t>26</a:t>
+              <a:t>25</a:t>
             </a:fld>
             <a:endParaRPr lang="fr-FR"/>
           </a:p>
@@ -1752,7 +1854,7 @@
     </p:spTree>
     <p:extLst>
       <p:ext uri="{BB962C8B-B14F-4D97-AF65-F5344CB8AC3E}">
-        <p14:creationId xmlns:p14="http://schemas.microsoft.com/office/powerpoint/2010/main" val="2989751773"/>
+        <p14:creationId xmlns:p14="http://schemas.microsoft.com/office/powerpoint/2010/main" val="2754577294"/>
       </p:ext>
     </p:extLst>
   </p:cSld>
@@ -1835,7 +1937,7 @@
           <a:p>
             <a:fld id="{8011DD82-4401-44DA-901A-04AB1EF004B2}" type="slidenum">
               <a:rPr lang="fr-FR" smtClean="0"/>
-              <a:t>27</a:t>
+              <a:t>26</a:t>
             </a:fld>
             <a:endParaRPr lang="fr-FR"/>
           </a:p>
@@ -7043,6 +7145,9 @@
   <p:clrMapOvr>
     <a:masterClrMapping/>
   </p:clrMapOvr>
+  <p:transition spd="slow">
+    <p:pull/>
+  </p:transition>
   <p:timing>
     <p:tnLst>
       <p:par>
@@ -7466,6 +7571,9 @@
   <p:clrMapOvr>
     <a:masterClrMapping/>
   </p:clrMapOvr>
+  <p:transition spd="slow">
+    <p:pull/>
+  </p:transition>
   <p:timing>
     <p:tnLst>
       <p:par>
@@ -7527,7 +7635,7 @@
           </p:nvPr>
         </p:nvPicPr>
         <p:blipFill>
-          <a:blip r:embed="rId2"/>
+          <a:blip r:embed="rId3"/>
           <a:srcRect/>
           <a:stretch>
             <a:fillRect/>
@@ -7630,6 +7738,9 @@
   <p:clrMapOvr>
     <a:masterClrMapping/>
   </p:clrMapOvr>
+  <p:transition spd="slow">
+    <p:pull/>
+  </p:transition>
   <p:timing>
     <p:tnLst>
       <p:par>
@@ -7918,6 +8029,9 @@
   <p:clrMapOvr>
     <a:masterClrMapping/>
   </p:clrMapOvr>
+  <p:transition spd="slow">
+    <p:pull/>
+  </p:transition>
   <p:timing>
     <p:tnLst>
       <p:par>
@@ -8140,6 +8254,9 @@
   <p:clrMapOvr>
     <a:masterClrMapping/>
   </p:clrMapOvr>
+  <p:transition spd="slow">
+    <p:pull/>
+  </p:transition>
   <p:timing>
     <p:tnLst>
       <p:par>
@@ -8304,6 +8421,9 @@
   <p:clrMapOvr>
     <a:masterClrMapping/>
   </p:clrMapOvr>
+  <p:transition spd="slow">
+    <p:pull/>
+  </p:transition>
   <p:timing>
     <p:tnLst>
       <p:par>
@@ -8895,6 +9015,9 @@
   <p:clrMapOvr>
     <a:masterClrMapping/>
   </p:clrMapOvr>
+  <p:transition spd="slow">
+    <p:pull/>
+  </p:transition>
   <p:timing>
     <p:tnLst>
       <p:par>
@@ -9077,6 +9200,16 @@
   <p:clrMapOvr>
     <a:masterClrMapping/>
   </p:clrMapOvr>
+  <p:transition spd="slow">
+    <p:pull/>
+  </p:transition>
+  <p:timing>
+    <p:tnLst>
+      <p:par>
+        <p:cTn id="1" dur="indefinite" restart="never" nodeType="tmRoot"/>
+      </p:par>
+    </p:tnLst>
+  </p:timing>
 </p:sld>
 </file>
 
@@ -9494,6 +9627,9 @@
   <p:clrMapOvr>
     <a:masterClrMapping/>
   </p:clrMapOvr>
+  <p:transition spd="slow">
+    <p:pull/>
+  </p:transition>
   <p:timing>
     <p:tnLst>
       <p:par>
@@ -9672,6 +9808,9 @@
   <p:clrMapOvr>
     <a:masterClrMapping/>
   </p:clrMapOvr>
+  <p:transition spd="slow">
+    <p:pull/>
+  </p:transition>
   <p:timing>
     <p:tnLst>
       <p:par>
@@ -9850,6 +9989,9 @@
   <p:clrMapOvr>
     <a:masterClrMapping/>
   </p:clrMapOvr>
+  <p:transition spd="slow">
+    <p:pull/>
+  </p:transition>
   <p:timing>
     <p:tnLst>
       <p:par>
@@ -10116,6 +10258,9 @@
   <p:clrMapOvr>
     <a:masterClrMapping/>
   </p:clrMapOvr>
+  <p:transition spd="slow">
+    <p:pull/>
+  </p:transition>
   <p:timing>
     <p:tnLst>
       <p:par>
@@ -10329,6 +10474,9 @@
   <p:clrMapOvr>
     <a:masterClrMapping/>
   </p:clrMapOvr>
+  <p:transition spd="slow">
+    <p:pull/>
+  </p:transition>
   <p:timing>
     <p:tnLst>
       <p:par>
@@ -10533,6 +10681,9 @@
   <p:clrMapOvr>
     <a:masterClrMapping/>
   </p:clrMapOvr>
+  <p:transition spd="slow">
+    <p:pull/>
+  </p:transition>
   <p:timing>
     <p:tnLst>
       <p:par>
@@ -10746,6 +10897,9 @@
   <p:clrMapOvr>
     <a:masterClrMapping/>
   </p:clrMapOvr>
+  <p:transition spd="slow">
+    <p:pull/>
+  </p:transition>
   <p:timing>
     <p:tnLst>
       <p:par>
@@ -10959,6 +11113,9 @@
   <p:clrMapOvr>
     <a:masterClrMapping/>
   </p:clrMapOvr>
+  <p:transition spd="slow">
+    <p:pull/>
+  </p:transition>
   <p:timing>
     <p:tnLst>
       <p:par>
@@ -11211,6 +11368,9 @@
   <p:clrMapOvr>
     <a:masterClrMapping/>
   </p:clrMapOvr>
+  <p:transition spd="slow">
+    <p:pull/>
+  </p:transition>
   <p:timing>
     <p:tnLst>
       <p:par>
@@ -11665,6 +11825,9 @@
   <p:clrMapOvr>
     <a:masterClrMapping/>
   </p:clrMapOvr>
+  <p:transition spd="slow">
+    <p:pull/>
+  </p:transition>
   <p:timing>
     <p:tnLst>
       <p:par>
@@ -11839,6 +12002,9 @@
   <p:clrMapOvr>
     <a:masterClrMapping/>
   </p:clrMapOvr>
+  <p:transition spd="slow">
+    <p:pull/>
+  </p:transition>
   <p:timing>
     <p:tnLst>
       <p:par>
@@ -12139,6 +12305,9 @@
   <p:clrMapOvr>
     <a:masterClrMapping/>
   </p:clrMapOvr>
+  <p:transition spd="slow">
+    <p:pull/>
+  </p:transition>
   <p:timing>
     <p:tnLst>
       <p:par>
@@ -12786,6 +12955,9 @@
   <p:clrMapOvr>
     <a:masterClrMapping/>
   </p:clrMapOvr>
+  <p:transition spd="slow">
+    <p:pull/>
+  </p:transition>
   <p:timing>
     <p:tnLst>
       <p:par>
@@ -13002,6 +13174,9 @@
   <p:clrMapOvr>
     <a:masterClrMapping/>
   </p:clrMapOvr>
+  <p:transition spd="slow">
+    <p:pull/>
+  </p:transition>
   <p:timing>
     <p:tnLst>
       <p:par>
@@ -13235,6 +13410,9 @@
   <p:clrMapOvr>
     <a:masterClrMapping/>
   </p:clrMapOvr>
+  <p:transition spd="slow">
+    <p:pull/>
+  </p:transition>
   <p:timing>
     <p:tnLst>
       <p:par>
@@ -13451,6 +13629,9 @@
   <p:clrMapOvr>
     <a:masterClrMapping/>
   </p:clrMapOvr>
+  <p:transition spd="slow">
+    <p:pull/>
+  </p:transition>
   <p:timing>
     <p:tnLst>
       <p:par>
@@ -13735,6 +13916,9 @@
   <p:clrMapOvr>
     <a:masterClrMapping/>
   </p:clrMapOvr>
+  <p:transition spd="slow">
+    <p:pull/>
+  </p:transition>
   <p:timing>
     <p:tnLst>
       <p:par>
@@ -13969,6 +14153,9 @@
   <p:clrMapOvr>
     <a:masterClrMapping/>
   </p:clrMapOvr>
+  <p:transition spd="slow">
+    <p:pull/>
+  </p:transition>
   <p:timing>
     <p:tnLst>
       <p:par>
@@ -14139,6 +14326,16 @@
   <p:clrMapOvr>
     <a:masterClrMapping/>
   </p:clrMapOvr>
+  <p:transition spd="slow">
+    <p:pull/>
+  </p:transition>
+  <p:timing>
+    <p:tnLst>
+      <p:par>
+        <p:cTn id="1" dur="indefinite" restart="never" nodeType="tmRoot"/>
+      </p:par>
+    </p:tnLst>
+  </p:timing>
 </p:sld>
 </file>
 
@@ -14440,6 +14637,9 @@
   <p:clrMapOvr>
     <a:masterClrMapping/>
   </p:clrMapOvr>
+  <p:transition spd="slow">
+    <p:pull/>
+  </p:transition>
   <p:timing>
     <p:tnLst>
       <p:par>
@@ -14868,6 +15068,9 @@
   <p:clrMapOvr>
     <a:masterClrMapping/>
   </p:clrMapOvr>
+  <p:transition spd="slow">
+    <p:pull/>
+  </p:transition>
   <p:timing>
     <p:tnLst>
       <p:par>
@@ -15392,6 +15595,9 @@
   <p:clrMapOvr>
     <a:masterClrMapping/>
   </p:clrMapOvr>
+  <p:transition spd="slow">
+    <p:pull/>
+  </p:transition>
   <p:timing>
     <p:tnLst>
       <p:par>
@@ -16374,6 +16580,9 @@
   <p:clrMapOvr>
     <a:masterClrMapping/>
   </p:clrMapOvr>
+  <p:transition spd="slow">
+    <p:pull/>
+  </p:transition>
   <p:timing>
     <p:tnLst>
       <p:par>
@@ -16634,6 +16843,9 @@
   <p:clrMapOvr>
     <a:masterClrMapping/>
   </p:clrMapOvr>
+  <p:transition spd="slow">
+    <p:pull/>
+  </p:transition>
   <p:timing>
     <p:tnLst>
       <p:par>
@@ -16976,7 +17188,11 @@
             <a:pPr algn="ctr"/>
             <a:r>
               <a:rPr lang="fr-FR" b="1" dirty="0" smtClean="0"/>
-              <a:t>Définitions des objectifs</a:t>
+              <a:t>Start! Définitions </a:t>
+            </a:r>
+            <a:r>
+              <a:rPr lang="fr-FR" b="1" dirty="0" smtClean="0"/>
+              <a:t>des objectifs</a:t>
             </a:r>
             <a:endParaRPr lang="fr-FR" b="1" dirty="0"/>
           </a:p>
@@ -17777,6 +17993,9 @@
   <p:clrMapOvr>
     <a:masterClrMapping/>
   </p:clrMapOvr>
+  <p:transition spd="slow">
+    <p:pull/>
+  </p:transition>
   <p:timing>
     <p:tnLst>
       <p:par>
